--- a/RelazioneIIW.pptx
+++ b/RelazioneIIW.pptx
@@ -5,7 +5,7 @@
     <p:sldMasterId id="2147483648" r:id="rId1"/>
   </p:sldMasterIdLst>
   <p:notesMasterIdLst>
-    <p:notesMasterId r:id="rId20"/>
+    <p:notesMasterId r:id="rId26"/>
   </p:notesMasterIdLst>
   <p:sldIdLst>
     <p:sldId id="256" r:id="rId2"/>
@@ -23,9 +23,15 @@
     <p:sldId id="273" r:id="rId14"/>
     <p:sldId id="270" r:id="rId15"/>
     <p:sldId id="266" r:id="rId16"/>
-    <p:sldId id="257" r:id="rId17"/>
-    <p:sldId id="258" r:id="rId18"/>
-    <p:sldId id="260" r:id="rId19"/>
+    <p:sldId id="274" r:id="rId17"/>
+    <p:sldId id="279" r:id="rId18"/>
+    <p:sldId id="276" r:id="rId19"/>
+    <p:sldId id="277" r:id="rId20"/>
+    <p:sldId id="275" r:id="rId21"/>
+    <p:sldId id="278" r:id="rId22"/>
+    <p:sldId id="257" r:id="rId23"/>
+    <p:sldId id="258" r:id="rId24"/>
+    <p:sldId id="260" r:id="rId25"/>
   </p:sldIdLst>
   <p:sldSz cx="9144000" cy="5143500" type="screen16x9"/>
   <p:notesSz cx="6858000" cy="9144000"/>
@@ -557,7 +563,7 @@
           <a:p>
             <a:fld id="{87350B06-B074-48FC-8CFD-53D2CD8FB95F}" type="slidenum">
               <a:rPr lang="en-US" smtClean="0"/>
-              <a:t>18</a:t>
+              <a:t>24</a:t>
             </a:fld>
             <a:endParaRPr lang="en-US"/>
           </a:p>
@@ -8222,7 +8228,7 @@
             </a:r>
             <a:r>
               <a:rPr lang="en-US" sz="1200" dirty="0"/>
-              <a:t>) = 60</a:t>
+              <a:t>) = 45</a:t>
             </a:r>
           </a:p>
           <a:p>
@@ -8239,7 +8245,7 @@
             </a:pPr>
             <a:r>
               <a:rPr lang="en-US" sz="1200" dirty="0"/>
-              <a:t>Se 60 &gt; ‘</a:t>
+              <a:t>Se 45 &gt; ‘</a:t>
             </a:r>
             <a:r>
               <a:rPr lang="en-US" sz="1200" dirty="0" err="1"/>
@@ -8499,188 +8505,10 @@
               <a:rPr lang="en-US" sz="1600" dirty="0" err="1"/>
               <a:t>Dualmente</a:t>
             </a:r>
-            <a:endParaRPr lang="en-US" sz="1600" dirty="0"/>
-          </a:p>
-        </p:txBody>
-      </p:sp>
-      <p:sp>
-        <p:nvSpPr>
-          <p:cNvPr id="95" name="Content Placeholder 4">
-            <a:extLst>
-              <a:ext uri="{FF2B5EF4-FFF2-40B4-BE49-F238E27FC236}">
-                <a16:creationId xmlns:a16="http://schemas.microsoft.com/office/drawing/2014/main" id="{FC74DC84-FCE2-4DA5-B970-733C53ECEA9C}"/>
-              </a:ext>
-            </a:extLst>
-          </p:cNvPr>
-          <p:cNvSpPr txBox="1">
-            <a:spLocks/>
-          </p:cNvSpPr>
-          <p:nvPr/>
-        </p:nvSpPr>
-        <p:spPr>
-          <a:xfrm>
-            <a:off x="2428688" y="2883300"/>
-            <a:ext cx="1034358" cy="549256"/>
-          </a:xfrm>
-          <a:prstGeom prst="rect">
-            <a:avLst/>
-          </a:prstGeom>
-        </p:spPr>
-        <p:txBody>
-          <a:bodyPr vert="horz" lIns="91440" tIns="45720" rIns="91440" bIns="45720" rtlCol="0">
-            <a:normAutofit fontScale="77500" lnSpcReduction="20000"/>
-          </a:bodyPr>
-          <a:lstStyle>
-            <a:lvl1pPr marL="342900" indent="-342900" algn="l" defTabSz="914400" rtl="0" eaLnBrk="1" latinLnBrk="0" hangingPunct="1">
-              <a:spcBef>
-                <a:spcPct val="20000"/>
-              </a:spcBef>
-              <a:buFont typeface="Arial" pitchFamily="34" charset="0"/>
-              <a:buChar char="•"/>
-              <a:defRPr sz="2800" kern="1200">
-                <a:solidFill>
-                  <a:srgbClr val="002060"/>
-                </a:solidFill>
-                <a:latin typeface="+mn-lt"/>
-                <a:ea typeface="+mn-ea"/>
-                <a:cs typeface="+mn-cs"/>
-              </a:defRPr>
-            </a:lvl1pPr>
-            <a:lvl2pPr marL="742950" indent="-285750" algn="l" defTabSz="914400" rtl="0" eaLnBrk="1" latinLnBrk="0" hangingPunct="1">
-              <a:spcBef>
-                <a:spcPct val="20000"/>
-              </a:spcBef>
-              <a:buFont typeface="Arial" pitchFamily="34" charset="0"/>
-              <a:buChar char="–"/>
-              <a:defRPr sz="2800" kern="1200">
-                <a:solidFill>
-                  <a:srgbClr val="002060"/>
-                </a:solidFill>
-                <a:latin typeface="+mn-lt"/>
-                <a:ea typeface="+mn-ea"/>
-                <a:cs typeface="+mn-cs"/>
-              </a:defRPr>
-            </a:lvl2pPr>
-            <a:lvl3pPr marL="1143000" indent="-228600" algn="l" defTabSz="914400" rtl="0" eaLnBrk="1" latinLnBrk="0" hangingPunct="1">
-              <a:spcBef>
-                <a:spcPct val="20000"/>
-              </a:spcBef>
-              <a:buFont typeface="Arial" pitchFamily="34" charset="0"/>
-              <a:buChar char="•"/>
-              <a:defRPr sz="2400" kern="1200">
-                <a:solidFill>
-                  <a:srgbClr val="002060"/>
-                </a:solidFill>
-                <a:latin typeface="+mn-lt"/>
-                <a:ea typeface="+mn-ea"/>
-                <a:cs typeface="+mn-cs"/>
-              </a:defRPr>
-            </a:lvl3pPr>
-            <a:lvl4pPr marL="1600200" indent="-228600" algn="l" defTabSz="914400" rtl="0" eaLnBrk="1" latinLnBrk="0" hangingPunct="1">
-              <a:spcBef>
-                <a:spcPct val="20000"/>
-              </a:spcBef>
-              <a:buFont typeface="Arial" pitchFamily="34" charset="0"/>
-              <a:buChar char="–"/>
-              <a:defRPr sz="2000" kern="1200">
-                <a:solidFill>
-                  <a:srgbClr val="002060"/>
-                </a:solidFill>
-                <a:latin typeface="+mn-lt"/>
-                <a:ea typeface="+mn-ea"/>
-                <a:cs typeface="+mn-cs"/>
-              </a:defRPr>
-            </a:lvl4pPr>
-            <a:lvl5pPr marL="2057400" indent="-228600" algn="l" defTabSz="914400" rtl="0" eaLnBrk="1" latinLnBrk="0" hangingPunct="1">
-              <a:spcBef>
-                <a:spcPct val="20000"/>
-              </a:spcBef>
-              <a:buFont typeface="Arial" pitchFamily="34" charset="0"/>
-              <a:buChar char="»"/>
-              <a:defRPr sz="2000" kern="1200">
-                <a:solidFill>
-                  <a:srgbClr val="002060"/>
-                </a:solidFill>
-                <a:latin typeface="+mn-lt"/>
-                <a:ea typeface="+mn-ea"/>
-                <a:cs typeface="+mn-cs"/>
-              </a:defRPr>
-            </a:lvl5pPr>
-            <a:lvl6pPr marL="2514600" indent="-228600" algn="l" defTabSz="914400" rtl="0" eaLnBrk="1" latinLnBrk="0" hangingPunct="1">
-              <a:spcBef>
-                <a:spcPct val="20000"/>
-              </a:spcBef>
-              <a:buFont typeface="Arial" pitchFamily="34" charset="0"/>
-              <a:buChar char="•"/>
-              <a:defRPr sz="2000" kern="1200">
-                <a:solidFill>
-                  <a:schemeClr val="tx1"/>
-                </a:solidFill>
-                <a:latin typeface="+mn-lt"/>
-                <a:ea typeface="+mn-ea"/>
-                <a:cs typeface="+mn-cs"/>
-              </a:defRPr>
-            </a:lvl6pPr>
-            <a:lvl7pPr marL="2971800" indent="-228600" algn="l" defTabSz="914400" rtl="0" eaLnBrk="1" latinLnBrk="0" hangingPunct="1">
-              <a:spcBef>
-                <a:spcPct val="20000"/>
-              </a:spcBef>
-              <a:buFont typeface="Arial" pitchFamily="34" charset="0"/>
-              <a:buChar char="•"/>
-              <a:defRPr sz="2000" kern="1200">
-                <a:solidFill>
-                  <a:schemeClr val="tx1"/>
-                </a:solidFill>
-                <a:latin typeface="+mn-lt"/>
-                <a:ea typeface="+mn-ea"/>
-                <a:cs typeface="+mn-cs"/>
-              </a:defRPr>
-            </a:lvl7pPr>
-            <a:lvl8pPr marL="3429000" indent="-228600" algn="l" defTabSz="914400" rtl="0" eaLnBrk="1" latinLnBrk="0" hangingPunct="1">
-              <a:spcBef>
-                <a:spcPct val="20000"/>
-              </a:spcBef>
-              <a:buFont typeface="Arial" pitchFamily="34" charset="0"/>
-              <a:buChar char="•"/>
-              <a:defRPr sz="2000" kern="1200">
-                <a:solidFill>
-                  <a:schemeClr val="tx1"/>
-                </a:solidFill>
-                <a:latin typeface="+mn-lt"/>
-                <a:ea typeface="+mn-ea"/>
-                <a:cs typeface="+mn-cs"/>
-              </a:defRPr>
-            </a:lvl8pPr>
-            <a:lvl9pPr marL="3886200" indent="-228600" algn="l" defTabSz="914400" rtl="0" eaLnBrk="1" latinLnBrk="0" hangingPunct="1">
-              <a:spcBef>
-                <a:spcPct val="20000"/>
-              </a:spcBef>
-              <a:buFont typeface="Arial" pitchFamily="34" charset="0"/>
-              <a:buChar char="•"/>
-              <a:defRPr sz="2000" kern="1200">
-                <a:solidFill>
-                  <a:schemeClr val="tx1"/>
-                </a:solidFill>
-                <a:latin typeface="+mn-lt"/>
-                <a:ea typeface="+mn-ea"/>
-                <a:cs typeface="+mn-cs"/>
-              </a:defRPr>
-            </a:lvl9pPr>
-          </a:lstStyle>
-          <a:p>
-            <a:pPr marL="0" indent="0">
-              <a:buFont typeface="Arial" pitchFamily="34" charset="0"/>
-              <a:buNone/>
-            </a:pPr>
             <a:r>
               <a:rPr lang="en-US" sz="1600" dirty="0"/>
-              <a:t>Server branch </a:t>
-            </a:r>
-            <a:r>
-              <a:rPr lang="en-US" sz="1600" dirty="0" err="1"/>
-              <a:t>creata</a:t>
-            </a:r>
-            <a:endParaRPr lang="en-US" sz="1600" dirty="0"/>
+              <a:t>…</a:t>
+            </a:r>
           </a:p>
         </p:txBody>
       </p:sp>
@@ -9124,7 +8952,7 @@
         </p:nvSpPr>
         <p:spPr>
           <a:xfrm>
-            <a:off x="3762626" y="2806309"/>
+            <a:off x="3664604" y="2865608"/>
             <a:ext cx="1216567" cy="530420"/>
           </a:xfrm>
           <a:prstGeom prst="rect">
@@ -9283,7 +9111,7 @@
             </a:r>
             <a:r>
               <a:rPr lang="en-US" sz="1200" dirty="0"/>
-              <a:t> di 15 client</a:t>
+              <a:t> di 60 client</a:t>
             </a:r>
           </a:p>
         </p:txBody>
@@ -11664,6 +11492,2497 @@
       </p:grpSpPr>
       <p:sp>
         <p:nvSpPr>
+          <p:cNvPr id="4" name="Title 3"/>
+          <p:cNvSpPr>
+            <a:spLocks noGrp="1"/>
+          </p:cNvSpPr>
+          <p:nvPr>
+            <p:ph type="title"/>
+          </p:nvPr>
+        </p:nvSpPr>
+        <p:spPr>
+          <a:xfrm>
+            <a:off x="0" y="0"/>
+            <a:ext cx="6541015" cy="725349"/>
+          </a:xfrm>
+        </p:spPr>
+        <p:txBody>
+          <a:bodyPr>
+            <a:normAutofit/>
+          </a:bodyPr>
+          <a:lstStyle/>
+          <a:p>
+            <a:r>
+              <a:rPr lang="en-US" dirty="0"/>
+              <a:t>Logging</a:t>
+            </a:r>
+          </a:p>
+        </p:txBody>
+      </p:sp>
+      <p:sp>
+        <p:nvSpPr>
+          <p:cNvPr id="5" name="Content Placeholder 4"/>
+          <p:cNvSpPr>
+            <a:spLocks noGrp="1"/>
+          </p:cNvSpPr>
+          <p:nvPr>
+            <p:ph idx="1"/>
+          </p:nvPr>
+        </p:nvSpPr>
+        <p:spPr>
+          <a:xfrm>
+            <a:off x="0" y="725349"/>
+            <a:ext cx="7329488" cy="4418151"/>
+          </a:xfrm>
+        </p:spPr>
+        <p:txBody>
+          <a:bodyPr>
+            <a:normAutofit fontScale="92500" lnSpcReduction="20000"/>
+          </a:bodyPr>
+          <a:lstStyle/>
+          <a:p>
+            <a:pPr marL="0" indent="0">
+              <a:buNone/>
+            </a:pPr>
+            <a:r>
+              <a:rPr lang="en-US" sz="2000" dirty="0" err="1"/>
+              <a:t>L’operazione</a:t>
+            </a:r>
+            <a:r>
+              <a:rPr lang="en-US" sz="2000" dirty="0"/>
+              <a:t> di logging in Exodus è </a:t>
+            </a:r>
+            <a:r>
+              <a:rPr lang="en-US" sz="2000" dirty="0" err="1"/>
+              <a:t>messo</a:t>
+            </a:r>
+            <a:r>
+              <a:rPr lang="en-US" sz="2000" dirty="0"/>
+              <a:t> in </a:t>
+            </a:r>
+            <a:r>
+              <a:rPr lang="en-US" sz="2000" dirty="0" err="1"/>
+              <a:t>atto</a:t>
+            </a:r>
+            <a:r>
+              <a:rPr lang="en-US" sz="2000" dirty="0"/>
+              <a:t> da due </a:t>
+            </a:r>
+            <a:r>
+              <a:rPr lang="en-US" sz="2000" dirty="0" err="1"/>
+              <a:t>tipologie</a:t>
+            </a:r>
+            <a:r>
+              <a:rPr lang="en-US" sz="2000" dirty="0"/>
+              <a:t> di thread in modo tale per cui la </a:t>
+            </a:r>
+            <a:r>
+              <a:rPr lang="en-US" sz="2000" dirty="0" err="1"/>
+              <a:t>scrittura</a:t>
+            </a:r>
+            <a:r>
+              <a:rPr lang="en-US" sz="2000" dirty="0"/>
+              <a:t> </a:t>
+            </a:r>
+            <a:r>
+              <a:rPr lang="en-US" sz="2000" dirty="0" err="1"/>
+              <a:t>su</a:t>
+            </a:r>
+            <a:r>
+              <a:rPr lang="en-US" sz="2000" dirty="0"/>
+              <a:t> disco </a:t>
+            </a:r>
+            <a:r>
+              <a:rPr lang="en-US" sz="2000" dirty="0" err="1"/>
+              <a:t>dei</a:t>
+            </a:r>
+            <a:r>
+              <a:rPr lang="en-US" sz="2000" dirty="0"/>
+              <a:t> log non </a:t>
+            </a:r>
+            <a:r>
+              <a:rPr lang="en-US" sz="2000" dirty="0" err="1"/>
+              <a:t>vada</a:t>
+            </a:r>
+            <a:r>
+              <a:rPr lang="en-US" sz="2000" dirty="0"/>
+              <a:t> a </a:t>
+            </a:r>
+            <a:r>
+              <a:rPr lang="en-US" sz="2000" dirty="0" err="1"/>
+              <a:t>bloccare</a:t>
+            </a:r>
+            <a:r>
+              <a:rPr lang="en-US" sz="2000" dirty="0"/>
+              <a:t> o </a:t>
+            </a:r>
+            <a:r>
+              <a:rPr lang="en-US" sz="2000" dirty="0" err="1"/>
+              <a:t>rallentare</a:t>
+            </a:r>
+            <a:r>
+              <a:rPr lang="en-US" sz="2000" dirty="0"/>
+              <a:t> le </a:t>
+            </a:r>
+            <a:r>
+              <a:rPr lang="en-US" sz="2000" dirty="0" err="1"/>
+              <a:t>singole</a:t>
+            </a:r>
+            <a:r>
+              <a:rPr lang="en-US" sz="2000" dirty="0"/>
+              <a:t> </a:t>
+            </a:r>
+            <a:r>
+              <a:rPr lang="en-US" sz="2000" dirty="0" err="1"/>
+              <a:t>ServerBranch</a:t>
+            </a:r>
+            <a:r>
+              <a:rPr lang="en-US" sz="2000" dirty="0"/>
+              <a:t>. </a:t>
+            </a:r>
+            <a:r>
+              <a:rPr lang="en-US" sz="2000" dirty="0" err="1"/>
+              <a:t>Tali</a:t>
+            </a:r>
+            <a:r>
+              <a:rPr lang="en-US" sz="2000" dirty="0"/>
+              <a:t> thread </a:t>
+            </a:r>
+            <a:r>
+              <a:rPr lang="en-US" sz="2000" dirty="0" err="1"/>
+              <a:t>sono</a:t>
+            </a:r>
+            <a:endParaRPr lang="en-US" sz="2000" dirty="0"/>
+          </a:p>
+          <a:p>
+            <a:r>
+              <a:rPr lang="en-US" sz="2000" b="1" dirty="0"/>
+              <a:t>logger</a:t>
+            </a:r>
+            <a:r>
+              <a:rPr lang="en-US" sz="2000" dirty="0"/>
+              <a:t>, thread </a:t>
+            </a:r>
+            <a:r>
+              <a:rPr lang="en-US" sz="2000" dirty="0" err="1"/>
+              <a:t>presente</a:t>
+            </a:r>
+            <a:r>
+              <a:rPr lang="en-US" sz="2000" dirty="0"/>
+              <a:t> per </a:t>
+            </a:r>
+            <a:r>
+              <a:rPr lang="en-US" sz="2000" dirty="0" err="1"/>
+              <a:t>ogni</a:t>
+            </a:r>
+            <a:r>
+              <a:rPr lang="en-US" sz="2000" dirty="0"/>
+              <a:t> </a:t>
+            </a:r>
+            <a:r>
+              <a:rPr lang="en-US" sz="2000" dirty="0" err="1"/>
+              <a:t>singola</a:t>
+            </a:r>
+            <a:r>
+              <a:rPr lang="en-US" sz="2000" dirty="0"/>
+              <a:t> </a:t>
+            </a:r>
+            <a:r>
+              <a:rPr lang="en-US" sz="2000" dirty="0" err="1"/>
+              <a:t>ServerBranch</a:t>
+            </a:r>
+            <a:endParaRPr lang="en-US" sz="2000" b="1" dirty="0"/>
+          </a:p>
+          <a:p>
+            <a:r>
+              <a:rPr lang="en-US" sz="2000" b="1" dirty="0" err="1"/>
+              <a:t>loggerManager</a:t>
+            </a:r>
+            <a:r>
+              <a:rPr lang="en-US" sz="2000" dirty="0"/>
+              <a:t>, </a:t>
+            </a:r>
+            <a:r>
+              <a:rPr lang="en-US" sz="2000" dirty="0" err="1"/>
+              <a:t>creato</a:t>
+            </a:r>
+            <a:r>
+              <a:rPr lang="en-US" sz="2000" dirty="0"/>
+              <a:t> dal </a:t>
+            </a:r>
+            <a:r>
+              <a:rPr lang="en-US" sz="2000" dirty="0" err="1"/>
+              <a:t>ServerBranchesHandler</a:t>
+            </a:r>
+            <a:endParaRPr lang="en-US" sz="2000" dirty="0"/>
+          </a:p>
+          <a:p>
+            <a:pPr marL="0" indent="0">
+              <a:buNone/>
+            </a:pPr>
+            <a:r>
+              <a:rPr lang="en-US" sz="2000" dirty="0"/>
+              <a:t>Un ‘log’ è </a:t>
+            </a:r>
+            <a:r>
+              <a:rPr lang="en-US" sz="2000" dirty="0" err="1"/>
+              <a:t>salvato</a:t>
+            </a:r>
+            <a:r>
+              <a:rPr lang="en-US" sz="2000" dirty="0"/>
+              <a:t> come una </a:t>
+            </a:r>
+            <a:r>
+              <a:rPr lang="en-US" sz="2000" dirty="0" err="1"/>
+              <a:t>struttura</a:t>
+            </a:r>
+            <a:r>
+              <a:rPr lang="en-US" sz="2000" dirty="0"/>
+              <a:t> </a:t>
+            </a:r>
+            <a:r>
+              <a:rPr lang="en-US" sz="2000" dirty="0" err="1"/>
+              <a:t>dati</a:t>
+            </a:r>
+            <a:r>
+              <a:rPr lang="en-US" sz="2000" dirty="0"/>
+              <a:t> con le </a:t>
+            </a:r>
+            <a:r>
+              <a:rPr lang="en-US" sz="2000" dirty="0" err="1"/>
+              <a:t>seguenti</a:t>
+            </a:r>
+            <a:r>
+              <a:rPr lang="en-US" sz="2000" dirty="0"/>
+              <a:t> </a:t>
+            </a:r>
+            <a:r>
+              <a:rPr lang="en-US" sz="2000" dirty="0" err="1"/>
+              <a:t>informazioni</a:t>
+            </a:r>
+            <a:endParaRPr lang="en-US" sz="2000" dirty="0"/>
+          </a:p>
+          <a:p>
+            <a:pPr marL="457200" indent="-457200">
+              <a:buFont typeface="+mj-lt"/>
+              <a:buAutoNum type="arabicPeriod"/>
+            </a:pPr>
+            <a:r>
+              <a:rPr lang="en-US" sz="1700" dirty="0"/>
+              <a:t>Tempo in cui è </a:t>
+            </a:r>
+            <a:r>
+              <a:rPr lang="en-US" sz="1700" dirty="0" err="1"/>
+              <a:t>stato</a:t>
+            </a:r>
+            <a:r>
+              <a:rPr lang="en-US" sz="1700" dirty="0"/>
+              <a:t> </a:t>
+            </a:r>
+            <a:r>
+              <a:rPr lang="en-US" sz="1700" dirty="0" err="1"/>
+              <a:t>resgistrato</a:t>
+            </a:r>
+            <a:r>
+              <a:rPr lang="en-US" sz="1700" dirty="0"/>
+              <a:t> </a:t>
+            </a:r>
+            <a:r>
+              <a:rPr lang="en-US" sz="1700" dirty="0" err="1"/>
+              <a:t>il</a:t>
+            </a:r>
+            <a:r>
+              <a:rPr lang="en-US" sz="1700" dirty="0"/>
+              <a:t> log: espresso in secondi dal 1 </a:t>
+            </a:r>
+            <a:r>
+              <a:rPr lang="en-US" sz="1700" dirty="0" err="1"/>
+              <a:t>gennaio</a:t>
+            </a:r>
+            <a:r>
+              <a:rPr lang="en-US" sz="1700" dirty="0"/>
+              <a:t> 1970</a:t>
+            </a:r>
+          </a:p>
+          <a:p>
+            <a:pPr marL="457200" indent="-457200">
+              <a:buFont typeface="+mj-lt"/>
+              <a:buAutoNum type="arabicPeriod"/>
+            </a:pPr>
+            <a:r>
+              <a:rPr lang="en-US" sz="1700" dirty="0"/>
+              <a:t>Tipo del log </a:t>
+            </a:r>
+            <a:r>
+              <a:rPr lang="en-US" sz="1700" dirty="0" err="1"/>
+              <a:t>generato</a:t>
+            </a:r>
+            <a:r>
+              <a:rPr lang="en-US" sz="1700" dirty="0"/>
+              <a:t>: un </a:t>
+            </a:r>
+            <a:r>
+              <a:rPr lang="en-US" sz="1700" dirty="0" err="1"/>
+              <a:t>valore</a:t>
+            </a:r>
+            <a:r>
+              <a:rPr lang="en-US" sz="1700" dirty="0"/>
+              <a:t> </a:t>
+            </a:r>
+            <a:r>
+              <a:rPr lang="en-US" sz="1700" dirty="0" err="1"/>
+              <a:t>intero</a:t>
+            </a:r>
+            <a:r>
+              <a:rPr lang="en-US" sz="1700" dirty="0"/>
+              <a:t> </a:t>
+            </a:r>
+            <a:r>
+              <a:rPr lang="en-US" sz="1700" dirty="0" err="1"/>
+              <a:t>usato</a:t>
+            </a:r>
+            <a:r>
+              <a:rPr lang="en-US" sz="1700" dirty="0"/>
+              <a:t> poi dal </a:t>
+            </a:r>
+            <a:r>
+              <a:rPr lang="en-US" sz="1700" dirty="0" err="1"/>
+              <a:t>loggerManager</a:t>
+            </a:r>
+            <a:r>
+              <a:rPr lang="en-US" sz="1700" dirty="0"/>
+              <a:t> per </a:t>
+            </a:r>
+            <a:r>
+              <a:rPr lang="en-US" sz="1700" dirty="0" err="1"/>
+              <a:t>tradurlo</a:t>
+            </a:r>
+            <a:r>
+              <a:rPr lang="en-US" sz="1700" dirty="0"/>
+              <a:t> </a:t>
+            </a:r>
+            <a:r>
+              <a:rPr lang="en-US" sz="1700" dirty="0" err="1"/>
+              <a:t>nella</a:t>
+            </a:r>
+            <a:r>
+              <a:rPr lang="en-US" sz="1700" dirty="0"/>
+              <a:t> </a:t>
+            </a:r>
+            <a:r>
+              <a:rPr lang="en-US" sz="1700" dirty="0" err="1"/>
+              <a:t>stringa</a:t>
+            </a:r>
+            <a:r>
+              <a:rPr lang="en-US" sz="1700" dirty="0"/>
+              <a:t> </a:t>
+            </a:r>
+            <a:r>
+              <a:rPr lang="en-US" sz="1700" dirty="0" err="1"/>
+              <a:t>opportuna</a:t>
+            </a:r>
+            <a:endParaRPr lang="en-US" sz="1700" dirty="0"/>
+          </a:p>
+          <a:p>
+            <a:pPr marL="457200" indent="-457200">
+              <a:buFont typeface="+mj-lt"/>
+              <a:buAutoNum type="arabicPeriod"/>
+            </a:pPr>
+            <a:r>
+              <a:rPr lang="en-US" sz="1700" dirty="0" err="1"/>
+              <a:t>Indirizzo</a:t>
+            </a:r>
+            <a:r>
+              <a:rPr lang="en-US" sz="1700" dirty="0"/>
+              <a:t> del client (del </a:t>
+            </a:r>
+            <a:r>
+              <a:rPr lang="en-US" sz="1700" dirty="0" err="1"/>
+              <a:t>tipo</a:t>
+            </a:r>
+            <a:r>
+              <a:rPr lang="en-US" sz="1700" dirty="0"/>
+              <a:t> struct </a:t>
+            </a:r>
+            <a:r>
+              <a:rPr lang="en-US" sz="1700" dirty="0" err="1"/>
+              <a:t>sockaddr_in</a:t>
+            </a:r>
+            <a:r>
+              <a:rPr lang="en-US" sz="1700" dirty="0"/>
+              <a:t>)</a:t>
+            </a:r>
+          </a:p>
+          <a:p>
+            <a:pPr marL="0" indent="0">
+              <a:buNone/>
+            </a:pPr>
+            <a:r>
+              <a:rPr lang="en-US" sz="2000" dirty="0" err="1"/>
+              <a:t>Ogni</a:t>
+            </a:r>
+            <a:r>
+              <a:rPr lang="en-US" sz="2000" dirty="0"/>
+              <a:t> </a:t>
+            </a:r>
+            <a:r>
+              <a:rPr lang="en-US" sz="2000" dirty="0" err="1"/>
+              <a:t>ServerBranch</a:t>
+            </a:r>
+            <a:r>
+              <a:rPr lang="en-US" sz="2000" dirty="0"/>
+              <a:t> ha un array di log, </a:t>
+            </a:r>
+            <a:r>
+              <a:rPr lang="en-US" sz="2000" u="sng" dirty="0"/>
+              <a:t>locale</a:t>
+            </a:r>
+            <a:r>
+              <a:rPr lang="en-US" sz="2000" dirty="0"/>
+              <a:t> </a:t>
+            </a:r>
+            <a:r>
+              <a:rPr lang="en-US" sz="2000" dirty="0" err="1"/>
+              <a:t>alla</a:t>
+            </a:r>
+            <a:r>
+              <a:rPr lang="en-US" sz="2000" dirty="0"/>
+              <a:t> branch </a:t>
+            </a:r>
+            <a:r>
+              <a:rPr lang="en-US" sz="2000" dirty="0" err="1"/>
+              <a:t>stessa</a:t>
+            </a:r>
+            <a:r>
+              <a:rPr lang="en-US" sz="2000" dirty="0"/>
+              <a:t> (</a:t>
+            </a:r>
+            <a:r>
+              <a:rPr lang="en-US" sz="2000" dirty="0" err="1"/>
+              <a:t>salvata</a:t>
+            </a:r>
+            <a:r>
+              <a:rPr lang="en-US" sz="2000" dirty="0"/>
+              <a:t> </a:t>
+            </a:r>
+            <a:r>
+              <a:rPr lang="en-US" sz="2000" dirty="0" err="1"/>
+              <a:t>nel</a:t>
+            </a:r>
+            <a:r>
+              <a:rPr lang="en-US" sz="2000" dirty="0"/>
+              <a:t> </a:t>
+            </a:r>
+            <a:r>
+              <a:rPr lang="en-US" sz="2000" dirty="0" err="1"/>
+              <a:t>suo</a:t>
+            </a:r>
+            <a:r>
+              <a:rPr lang="en-US" sz="2000" dirty="0"/>
+              <a:t> heap).</a:t>
+            </a:r>
+          </a:p>
+          <a:p>
+            <a:pPr marL="0" indent="0">
+              <a:buNone/>
+            </a:pPr>
+            <a:r>
+              <a:rPr lang="en-US" sz="2000" dirty="0"/>
+              <a:t>Nella </a:t>
+            </a:r>
+            <a:r>
+              <a:rPr lang="en-US" sz="2000" dirty="0" err="1"/>
+              <a:t>struttura</a:t>
+            </a:r>
+            <a:r>
+              <a:rPr lang="en-US" sz="2000" dirty="0"/>
+              <a:t> </a:t>
+            </a:r>
+            <a:r>
+              <a:rPr lang="en-US" sz="2000" dirty="0" err="1"/>
+              <a:t>dati</a:t>
+            </a:r>
+            <a:r>
+              <a:rPr lang="en-US" sz="2000" dirty="0"/>
+              <a:t> di </a:t>
+            </a:r>
+            <a:r>
+              <a:rPr lang="en-US" sz="2000" dirty="0" err="1"/>
+              <a:t>tipo</a:t>
+            </a:r>
+            <a:r>
+              <a:rPr lang="en-US" sz="2000" dirty="0"/>
+              <a:t> ‘</a:t>
+            </a:r>
+            <a:r>
+              <a:rPr lang="en-US" sz="2000" dirty="0" err="1"/>
+              <a:t>branch_handler_communication</a:t>
+            </a:r>
+            <a:r>
+              <a:rPr lang="en-US" sz="2000" dirty="0"/>
+              <a:t>’ è </a:t>
+            </a:r>
+            <a:r>
+              <a:rPr lang="en-US" sz="2000" dirty="0" err="1"/>
+              <a:t>invece</a:t>
+            </a:r>
+            <a:r>
+              <a:rPr lang="en-US" sz="2000" dirty="0"/>
+              <a:t> </a:t>
+            </a:r>
+            <a:r>
+              <a:rPr lang="en-US" sz="2000" dirty="0" err="1"/>
+              <a:t>salvato</a:t>
+            </a:r>
+            <a:r>
+              <a:rPr lang="en-US" sz="2000" dirty="0"/>
+              <a:t> un array di log, </a:t>
+            </a:r>
+            <a:r>
+              <a:rPr lang="en-US" sz="2000" u="sng" dirty="0" err="1"/>
+              <a:t>condivisibile</a:t>
+            </a:r>
+            <a:r>
+              <a:rPr lang="en-US" sz="2000" dirty="0"/>
+              <a:t> </a:t>
+            </a:r>
+            <a:r>
+              <a:rPr lang="en-US" sz="2000" dirty="0" err="1"/>
+              <a:t>tra</a:t>
+            </a:r>
+            <a:r>
+              <a:rPr lang="en-US" sz="2000" dirty="0"/>
+              <a:t> branch ed handler (</a:t>
+            </a:r>
+            <a:r>
+              <a:rPr lang="en-US" sz="2000" dirty="0" err="1"/>
+              <a:t>si</a:t>
+            </a:r>
+            <a:r>
+              <a:rPr lang="en-US" sz="2000" dirty="0"/>
+              <a:t> </a:t>
+            </a:r>
+            <a:r>
+              <a:rPr lang="en-US" sz="2000" dirty="0" err="1"/>
+              <a:t>ricorda</a:t>
+            </a:r>
+            <a:r>
+              <a:rPr lang="en-US" sz="2000" dirty="0"/>
+              <a:t> </a:t>
+            </a:r>
+            <a:r>
+              <a:rPr lang="en-US" sz="2000" dirty="0" err="1"/>
+              <a:t>che</a:t>
+            </a:r>
+            <a:r>
+              <a:rPr lang="en-US" sz="2000" dirty="0"/>
+              <a:t> </a:t>
+            </a:r>
+            <a:r>
+              <a:rPr lang="en-US" sz="2000" dirty="0" err="1"/>
+              <a:t>ogni</a:t>
+            </a:r>
+            <a:r>
+              <a:rPr lang="en-US" sz="2000" dirty="0"/>
+              <a:t> </a:t>
+            </a:r>
+            <a:r>
+              <a:rPr lang="en-US" sz="2000" dirty="0" err="1"/>
+              <a:t>struttura</a:t>
+            </a:r>
+            <a:r>
+              <a:rPr lang="en-US" sz="2000" dirty="0"/>
+              <a:t> </a:t>
+            </a:r>
+            <a:r>
+              <a:rPr lang="en-US" sz="2000" dirty="0" err="1"/>
+              <a:t>dati</a:t>
+            </a:r>
+            <a:r>
+              <a:rPr lang="en-US" sz="2000" dirty="0"/>
+              <a:t> di </a:t>
+            </a:r>
+            <a:r>
+              <a:rPr lang="en-US" sz="2000" dirty="0" err="1"/>
+              <a:t>questo</a:t>
+            </a:r>
+            <a:r>
+              <a:rPr lang="en-US" sz="2000" dirty="0"/>
+              <a:t> </a:t>
+            </a:r>
+            <a:r>
+              <a:rPr lang="en-US" sz="2000" dirty="0" err="1"/>
+              <a:t>tipo</a:t>
+            </a:r>
+            <a:r>
+              <a:rPr lang="en-US" sz="2000" dirty="0"/>
+              <a:t> è </a:t>
+            </a:r>
+            <a:r>
+              <a:rPr lang="en-US" sz="2000" dirty="0" err="1"/>
+              <a:t>riempita</a:t>
+            </a:r>
+            <a:r>
+              <a:rPr lang="en-US" sz="2000" dirty="0"/>
+              <a:t> da </a:t>
+            </a:r>
+            <a:r>
+              <a:rPr lang="en-US" sz="2000" dirty="0" err="1"/>
+              <a:t>ogni</a:t>
+            </a:r>
+            <a:r>
+              <a:rPr lang="en-US" sz="2000" dirty="0"/>
+              <a:t> server branch </a:t>
+            </a:r>
+            <a:r>
+              <a:rPr lang="en-US" sz="2000" dirty="0" err="1"/>
+              <a:t>nella</a:t>
+            </a:r>
+            <a:r>
+              <a:rPr lang="en-US" sz="2000" dirty="0"/>
+              <a:t> </a:t>
+            </a:r>
+            <a:r>
+              <a:rPr lang="en-US" sz="2000" dirty="0" err="1"/>
+              <a:t>memoria</a:t>
+            </a:r>
+            <a:r>
+              <a:rPr lang="en-US" sz="2000" dirty="0"/>
+              <a:t> </a:t>
+            </a:r>
+            <a:r>
+              <a:rPr lang="en-US" sz="2000" dirty="0" err="1"/>
+              <a:t>condivisa</a:t>
+            </a:r>
+            <a:r>
+              <a:rPr lang="en-US" sz="2000" dirty="0"/>
+              <a:t> </a:t>
+            </a:r>
+            <a:r>
+              <a:rPr lang="en-US" sz="2000" dirty="0" err="1"/>
+              <a:t>inizializzata</a:t>
+            </a:r>
+            <a:r>
+              <a:rPr lang="en-US" sz="2000" dirty="0"/>
+              <a:t> </a:t>
+            </a:r>
+            <a:r>
+              <a:rPr lang="en-US" sz="2000" dirty="0" err="1"/>
+              <a:t>dall’handler</a:t>
+            </a:r>
+            <a:r>
+              <a:rPr lang="en-US" sz="2000" dirty="0"/>
+              <a:t>).</a:t>
+            </a:r>
+          </a:p>
+        </p:txBody>
+      </p:sp>
+    </p:spTree>
+    <p:extLst>
+      <p:ext uri="{BB962C8B-B14F-4D97-AF65-F5344CB8AC3E}">
+        <p14:creationId xmlns:p14="http://schemas.microsoft.com/office/powerpoint/2010/main" val="154527361"/>
+      </p:ext>
+    </p:extLst>
+  </p:cSld>
+  <p:clrMapOvr>
+    <a:masterClrMapping/>
+  </p:clrMapOvr>
+</p:sld>
+</file>
+
+<file path=ppt/slides/slide17.xml><?xml version="1.0" encoding="utf-8"?>
+<p:sld xmlns:a="http://schemas.openxmlformats.org/drawingml/2006/main" xmlns:r="http://schemas.openxmlformats.org/officeDocument/2006/relationships" xmlns:p="http://schemas.openxmlformats.org/presentationml/2006/main">
+  <p:cSld>
+    <p:spTree>
+      <p:nvGrpSpPr>
+        <p:cNvPr id="1" name=""/>
+        <p:cNvGrpSpPr/>
+        <p:nvPr/>
+      </p:nvGrpSpPr>
+      <p:grpSpPr>
+        <a:xfrm>
+          <a:off x="0" y="0"/>
+          <a:ext cx="0" cy="0"/>
+          <a:chOff x="0" y="0"/>
+          <a:chExt cx="0" cy="0"/>
+        </a:xfrm>
+      </p:grpSpPr>
+      <p:sp>
+        <p:nvSpPr>
+          <p:cNvPr id="5" name="Content Placeholder 4"/>
+          <p:cNvSpPr>
+            <a:spLocks noGrp="1"/>
+          </p:cNvSpPr>
+          <p:nvPr>
+            <p:ph idx="1"/>
+          </p:nvPr>
+        </p:nvSpPr>
+        <p:spPr>
+          <a:xfrm>
+            <a:off x="0" y="107157"/>
+            <a:ext cx="7329488" cy="5036344"/>
+          </a:xfrm>
+        </p:spPr>
+        <p:txBody>
+          <a:bodyPr>
+            <a:normAutofit/>
+          </a:bodyPr>
+          <a:lstStyle/>
+          <a:p>
+            <a:pPr marL="0" indent="0">
+              <a:buNone/>
+            </a:pPr>
+            <a:r>
+              <a:rPr lang="en-US" sz="2000" dirty="0"/>
+              <a:t>La </a:t>
+            </a:r>
+            <a:r>
+              <a:rPr lang="en-US" sz="2000" dirty="0" err="1"/>
+              <a:t>singola</a:t>
+            </a:r>
+            <a:r>
+              <a:rPr lang="en-US" sz="2000" dirty="0"/>
+              <a:t> </a:t>
+            </a:r>
+            <a:r>
+              <a:rPr lang="en-US" sz="2000" dirty="0" err="1"/>
+              <a:t>ServerBranch</a:t>
+            </a:r>
+            <a:r>
+              <a:rPr lang="en-US" sz="2000" dirty="0"/>
+              <a:t> </a:t>
+            </a:r>
+            <a:r>
+              <a:rPr lang="en-US" sz="2000" dirty="0" err="1"/>
+              <a:t>andrà</a:t>
+            </a:r>
+            <a:r>
+              <a:rPr lang="en-US" sz="2000" dirty="0"/>
+              <a:t> a </a:t>
+            </a:r>
+            <a:r>
+              <a:rPr lang="en-US" sz="2000" dirty="0" err="1"/>
+              <a:t>popolare</a:t>
+            </a:r>
+            <a:r>
+              <a:rPr lang="en-US" sz="2000" dirty="0"/>
+              <a:t> </a:t>
+            </a:r>
+            <a:r>
+              <a:rPr lang="en-US" sz="2000" dirty="0" err="1"/>
+              <a:t>l’array</a:t>
+            </a:r>
+            <a:r>
+              <a:rPr lang="en-US" sz="2000" dirty="0"/>
+              <a:t> locale di logs, e </a:t>
+            </a:r>
+            <a:r>
+              <a:rPr lang="en-US" sz="2000" dirty="0" err="1"/>
+              <a:t>il</a:t>
+            </a:r>
+            <a:r>
+              <a:rPr lang="en-US" sz="2000" dirty="0"/>
+              <a:t> logger, </a:t>
+            </a:r>
+            <a:r>
+              <a:rPr lang="en-US" sz="2000" dirty="0" err="1"/>
+              <a:t>dopo</a:t>
+            </a:r>
+            <a:r>
+              <a:rPr lang="en-US" sz="2000" dirty="0"/>
+              <a:t> un </a:t>
+            </a:r>
+            <a:r>
+              <a:rPr lang="en-US" sz="2000" dirty="0" err="1"/>
+              <a:t>certo</a:t>
+            </a:r>
+            <a:r>
+              <a:rPr lang="en-US" sz="2000" dirty="0"/>
+              <a:t> </a:t>
+            </a:r>
+            <a:r>
+              <a:rPr lang="en-US" sz="2000" dirty="0" err="1"/>
+              <a:t>periodo</a:t>
+            </a:r>
+            <a:r>
+              <a:rPr lang="en-US" sz="2000" dirty="0"/>
+              <a:t> di tempo, </a:t>
+            </a:r>
+            <a:r>
+              <a:rPr lang="en-US" sz="2000" dirty="0" err="1"/>
+              <a:t>andrà</a:t>
+            </a:r>
+            <a:r>
+              <a:rPr lang="en-US" sz="2000" dirty="0"/>
+              <a:t> a </a:t>
+            </a:r>
+            <a:r>
+              <a:rPr lang="en-US" sz="2000" dirty="0" err="1"/>
+              <a:t>copiare</a:t>
+            </a:r>
+            <a:r>
+              <a:rPr lang="en-US" sz="2000" dirty="0"/>
+              <a:t> </a:t>
+            </a:r>
+            <a:r>
+              <a:rPr lang="en-US" sz="2000" dirty="0" err="1"/>
+              <a:t>l’array</a:t>
+            </a:r>
+            <a:r>
+              <a:rPr lang="en-US" sz="2000" dirty="0"/>
+              <a:t> locale </a:t>
+            </a:r>
+            <a:r>
+              <a:rPr lang="en-US" sz="2000" dirty="0" err="1"/>
+              <a:t>nell’array</a:t>
+            </a:r>
+            <a:r>
+              <a:rPr lang="en-US" sz="2000" dirty="0"/>
+              <a:t> </a:t>
+            </a:r>
+            <a:r>
+              <a:rPr lang="en-US" sz="2000" dirty="0" err="1"/>
+              <a:t>condiviso</a:t>
+            </a:r>
+            <a:r>
+              <a:rPr lang="en-US" sz="2000" dirty="0"/>
+              <a:t>. </a:t>
+            </a:r>
+          </a:p>
+          <a:p>
+            <a:pPr marL="0" indent="0">
+              <a:buNone/>
+            </a:pPr>
+            <a:r>
+              <a:rPr lang="en-US" sz="2000" dirty="0"/>
+              <a:t>La </a:t>
+            </a:r>
+            <a:r>
+              <a:rPr lang="en-US" sz="2000" b="1" dirty="0" err="1"/>
+              <a:t>distinzione</a:t>
+            </a:r>
+            <a:r>
+              <a:rPr lang="en-US" sz="2000" dirty="0"/>
+              <a:t> </a:t>
+            </a:r>
+            <a:r>
+              <a:rPr lang="en-US" sz="2000" dirty="0" err="1"/>
+              <a:t>tra</a:t>
+            </a:r>
+            <a:r>
+              <a:rPr lang="en-US" sz="2000" dirty="0"/>
+              <a:t> </a:t>
+            </a:r>
+            <a:r>
+              <a:rPr lang="en-US" sz="2000" dirty="0" err="1"/>
+              <a:t>questi</a:t>
+            </a:r>
+            <a:r>
+              <a:rPr lang="en-US" sz="2000" dirty="0"/>
+              <a:t> array </a:t>
+            </a:r>
+            <a:r>
+              <a:rPr lang="en-US" sz="2000" dirty="0" err="1"/>
+              <a:t>consente</a:t>
+            </a:r>
+            <a:r>
+              <a:rPr lang="en-US" sz="2000" dirty="0"/>
+              <a:t> </a:t>
+            </a:r>
+            <a:r>
+              <a:rPr lang="en-US" sz="2000" dirty="0" err="1"/>
+              <a:t>alla</a:t>
+            </a:r>
+            <a:r>
+              <a:rPr lang="en-US" sz="2000" dirty="0"/>
+              <a:t> </a:t>
+            </a:r>
+            <a:r>
+              <a:rPr lang="en-US" sz="2000" dirty="0" err="1"/>
+              <a:t>ServerBranch</a:t>
+            </a:r>
+            <a:r>
+              <a:rPr lang="en-US" sz="2000" dirty="0"/>
+              <a:t> di </a:t>
+            </a:r>
+            <a:r>
+              <a:rPr lang="en-US" sz="2000" dirty="0" err="1"/>
+              <a:t>scrivere</a:t>
+            </a:r>
+            <a:r>
+              <a:rPr lang="en-US" sz="2000" dirty="0"/>
+              <a:t> </a:t>
+            </a:r>
+            <a:r>
+              <a:rPr lang="en-US" sz="2000" dirty="0" err="1"/>
+              <a:t>nuovi</a:t>
+            </a:r>
+            <a:r>
+              <a:rPr lang="en-US" sz="2000" dirty="0"/>
+              <a:t> log, senza </a:t>
+            </a:r>
+            <a:r>
+              <a:rPr lang="en-US" sz="2000" dirty="0" err="1"/>
+              <a:t>aspettare</a:t>
+            </a:r>
+            <a:r>
+              <a:rPr lang="en-US" sz="2000" dirty="0"/>
+              <a:t> </a:t>
+            </a:r>
+            <a:r>
+              <a:rPr lang="en-US" sz="2000" dirty="0" err="1"/>
+              <a:t>che</a:t>
+            </a:r>
+            <a:r>
+              <a:rPr lang="en-US" sz="2000" dirty="0"/>
+              <a:t> logger e </a:t>
+            </a:r>
+            <a:r>
+              <a:rPr lang="en-US" sz="2000" dirty="0" err="1"/>
+              <a:t>loggerManager</a:t>
+            </a:r>
+            <a:r>
+              <a:rPr lang="en-US" sz="2000" dirty="0"/>
+              <a:t> </a:t>
+            </a:r>
+            <a:r>
+              <a:rPr lang="en-US" sz="2000" dirty="0" err="1"/>
+              <a:t>finiscano</a:t>
+            </a:r>
+            <a:r>
+              <a:rPr lang="en-US" sz="2000" dirty="0"/>
+              <a:t> </a:t>
+            </a:r>
+            <a:r>
+              <a:rPr lang="en-US" sz="2000" dirty="0" err="1"/>
+              <a:t>l’operazione</a:t>
+            </a:r>
+            <a:r>
+              <a:rPr lang="en-US" sz="2000" dirty="0"/>
+              <a:t> di </a:t>
+            </a:r>
+            <a:r>
+              <a:rPr lang="en-US" sz="2000" dirty="0" err="1"/>
+              <a:t>scrittura</a:t>
+            </a:r>
+            <a:r>
+              <a:rPr lang="en-US" sz="2000" dirty="0"/>
+              <a:t> </a:t>
+            </a:r>
+            <a:r>
+              <a:rPr lang="en-US" sz="2000" dirty="0" err="1"/>
+              <a:t>su</a:t>
+            </a:r>
+            <a:r>
+              <a:rPr lang="en-US" sz="2000" dirty="0"/>
+              <a:t> disco. </a:t>
+            </a:r>
+          </a:p>
+          <a:p>
+            <a:pPr marL="0" indent="0">
+              <a:buNone/>
+            </a:pPr>
+            <a:r>
+              <a:rPr lang="en-US" sz="2000" dirty="0"/>
+              <a:t>In </a:t>
+            </a:r>
+            <a:r>
+              <a:rPr lang="en-US" sz="2000" dirty="0" err="1"/>
+              <a:t>questo</a:t>
+            </a:r>
+            <a:r>
+              <a:rPr lang="en-US" sz="2000" dirty="0"/>
+              <a:t> modo </a:t>
+            </a:r>
+            <a:r>
+              <a:rPr lang="en-US" sz="2000" dirty="0" err="1"/>
+              <a:t>ogni</a:t>
+            </a:r>
+            <a:r>
+              <a:rPr lang="en-US" sz="2000" dirty="0"/>
+              <a:t> </a:t>
+            </a:r>
+            <a:r>
+              <a:rPr lang="en-US" sz="2000" dirty="0" err="1"/>
+              <a:t>ServerBranch</a:t>
+            </a:r>
+            <a:r>
+              <a:rPr lang="en-US" sz="2000" dirty="0"/>
+              <a:t> </a:t>
+            </a:r>
+            <a:r>
+              <a:rPr lang="en-US" sz="2000" dirty="0" err="1"/>
+              <a:t>dovrà</a:t>
+            </a:r>
+            <a:r>
+              <a:rPr lang="en-US" sz="2000" dirty="0"/>
+              <a:t> </a:t>
+            </a:r>
+            <a:r>
+              <a:rPr lang="en-US" sz="2000" dirty="0" err="1"/>
+              <a:t>aspettare</a:t>
+            </a:r>
+            <a:r>
+              <a:rPr lang="en-US" sz="2000" dirty="0"/>
+              <a:t> </a:t>
+            </a:r>
+            <a:r>
+              <a:rPr lang="en-US" sz="2000" dirty="0" err="1"/>
+              <a:t>solamente</a:t>
+            </a:r>
+            <a:r>
+              <a:rPr lang="en-US" sz="2000" dirty="0"/>
+              <a:t> </a:t>
+            </a:r>
+            <a:r>
+              <a:rPr lang="en-US" sz="2000" dirty="0" err="1"/>
+              <a:t>che</a:t>
+            </a:r>
+            <a:r>
+              <a:rPr lang="en-US" sz="2000" dirty="0"/>
+              <a:t> </a:t>
+            </a:r>
+            <a:r>
+              <a:rPr lang="en-US" sz="2000" dirty="0" err="1"/>
+              <a:t>il</a:t>
+            </a:r>
+            <a:r>
+              <a:rPr lang="en-US" sz="2000" dirty="0"/>
+              <a:t> ‘proprio’ logger </a:t>
+            </a:r>
+            <a:r>
+              <a:rPr lang="en-US" sz="2000" dirty="0" err="1"/>
+              <a:t>copi</a:t>
+            </a:r>
+            <a:r>
+              <a:rPr lang="en-US" sz="2000" dirty="0"/>
+              <a:t> </a:t>
+            </a:r>
+            <a:r>
+              <a:rPr lang="en-US" sz="2000" dirty="0" err="1"/>
+              <a:t>l’array</a:t>
+            </a:r>
+            <a:r>
+              <a:rPr lang="en-US" sz="2000" dirty="0"/>
+              <a:t> locale di log in </a:t>
+            </a:r>
+            <a:r>
+              <a:rPr lang="en-US" sz="2000" dirty="0" err="1"/>
+              <a:t>quello</a:t>
+            </a:r>
+            <a:r>
+              <a:rPr lang="en-US" sz="2000" dirty="0"/>
+              <a:t> </a:t>
+            </a:r>
+            <a:r>
+              <a:rPr lang="en-US" sz="2000" dirty="0" err="1"/>
+              <a:t>condiviso</a:t>
+            </a:r>
+            <a:r>
+              <a:rPr lang="en-US" sz="2000" dirty="0"/>
+              <a:t>.</a:t>
+            </a:r>
+          </a:p>
+          <a:p>
+            <a:pPr marL="0" indent="0">
+              <a:buNone/>
+            </a:pPr>
+            <a:r>
+              <a:rPr lang="en-US" sz="2000" dirty="0"/>
+              <a:t>(</a:t>
+            </a:r>
+            <a:r>
+              <a:rPr lang="en-US" sz="2000" dirty="0" err="1"/>
+              <a:t>l’interazione</a:t>
+            </a:r>
+            <a:r>
+              <a:rPr lang="en-US" sz="2000" dirty="0"/>
+              <a:t> </a:t>
+            </a:r>
+            <a:r>
+              <a:rPr lang="en-US" sz="2000" dirty="0" err="1"/>
+              <a:t>dettagliata</a:t>
+            </a:r>
+            <a:r>
+              <a:rPr lang="en-US" sz="2000" dirty="0"/>
+              <a:t> </a:t>
+            </a:r>
+            <a:r>
+              <a:rPr lang="en-US" sz="2000" dirty="0" err="1"/>
+              <a:t>tra</a:t>
+            </a:r>
+            <a:r>
+              <a:rPr lang="en-US" sz="2000" dirty="0"/>
+              <a:t> le </a:t>
+            </a:r>
+            <a:r>
+              <a:rPr lang="en-US" sz="2000" dirty="0" err="1"/>
+              <a:t>componenti</a:t>
+            </a:r>
+            <a:r>
+              <a:rPr lang="en-US" sz="2000" dirty="0"/>
+              <a:t> è </a:t>
+            </a:r>
+            <a:r>
+              <a:rPr lang="en-US" sz="2000" dirty="0" err="1"/>
+              <a:t>espressa</a:t>
+            </a:r>
+            <a:r>
+              <a:rPr lang="en-US" sz="2000" dirty="0"/>
+              <a:t> in </a:t>
+            </a:r>
+            <a:r>
+              <a:rPr lang="en-US" sz="2000" dirty="0" err="1"/>
+              <a:t>seguito</a:t>
+            </a:r>
+            <a:r>
+              <a:rPr lang="en-US" sz="2000" dirty="0"/>
+              <a:t>)</a:t>
+            </a:r>
+          </a:p>
+          <a:p>
+            <a:pPr marL="0" indent="0">
+              <a:buNone/>
+            </a:pPr>
+            <a:r>
+              <a:rPr lang="en-US" sz="2000" dirty="0"/>
+              <a:t>In </a:t>
+            </a:r>
+            <a:r>
+              <a:rPr lang="en-US" sz="2000" dirty="0" err="1"/>
+              <a:t>particolare</a:t>
+            </a:r>
+            <a:r>
+              <a:rPr lang="en-US" sz="2000" dirty="0"/>
+              <a:t> le </a:t>
+            </a:r>
+            <a:r>
+              <a:rPr lang="en-US" sz="2000" dirty="0" err="1"/>
+              <a:t>ServerBranch</a:t>
+            </a:r>
+            <a:r>
+              <a:rPr lang="en-US" sz="2000" dirty="0"/>
+              <a:t> </a:t>
+            </a:r>
+            <a:r>
+              <a:rPr lang="en-US" sz="2000" dirty="0" err="1"/>
+              <a:t>potranno</a:t>
+            </a:r>
+            <a:r>
+              <a:rPr lang="en-US" sz="2000" dirty="0"/>
+              <a:t> </a:t>
+            </a:r>
+            <a:r>
+              <a:rPr lang="en-US" sz="2000" dirty="0" err="1"/>
+              <a:t>inserire</a:t>
+            </a:r>
+            <a:r>
+              <a:rPr lang="en-US" sz="2000" dirty="0"/>
+              <a:t> </a:t>
+            </a:r>
+            <a:r>
+              <a:rPr lang="en-US" sz="2000" dirty="0" err="1"/>
+              <a:t>nuovi</a:t>
+            </a:r>
+            <a:r>
+              <a:rPr lang="en-US" sz="2000" dirty="0"/>
+              <a:t> log </a:t>
+            </a:r>
+            <a:r>
+              <a:rPr lang="en-US" sz="2000" dirty="0" err="1"/>
+              <a:t>mediante</a:t>
+            </a:r>
+            <a:r>
+              <a:rPr lang="en-US" sz="2000" dirty="0"/>
+              <a:t> la </a:t>
+            </a:r>
+            <a:r>
+              <a:rPr lang="en-US" sz="2000" dirty="0" err="1"/>
+              <a:t>funzione</a:t>
+            </a:r>
+            <a:r>
+              <a:rPr lang="en-US" sz="2000" dirty="0"/>
+              <a:t> ‘</a:t>
+            </a:r>
+            <a:r>
+              <a:rPr lang="en-US" sz="2000" b="1" dirty="0"/>
+              <a:t>LOG’</a:t>
+            </a:r>
+            <a:r>
+              <a:rPr lang="en-US" sz="2000" dirty="0"/>
+              <a:t>, </a:t>
+            </a:r>
+            <a:r>
+              <a:rPr lang="en-US" sz="2000" dirty="0" err="1"/>
+              <a:t>passando</a:t>
+            </a:r>
+            <a:r>
+              <a:rPr lang="en-US" sz="2000" dirty="0"/>
+              <a:t> ad </a:t>
+            </a:r>
+            <a:r>
+              <a:rPr lang="en-US" sz="2000" dirty="0" err="1"/>
+              <a:t>essa</a:t>
+            </a:r>
+            <a:r>
+              <a:rPr lang="en-US" sz="2000" dirty="0"/>
+              <a:t> </a:t>
+            </a:r>
+            <a:r>
+              <a:rPr lang="en-US" sz="2000" dirty="0" err="1"/>
+              <a:t>i</a:t>
+            </a:r>
+            <a:r>
+              <a:rPr lang="en-US" sz="2000" dirty="0"/>
+              <a:t> </a:t>
+            </a:r>
+            <a:r>
+              <a:rPr lang="en-US" sz="2000" dirty="0" err="1"/>
+              <a:t>parametri</a:t>
+            </a:r>
+            <a:r>
+              <a:rPr lang="en-US" sz="2000" dirty="0"/>
+              <a:t>: </a:t>
+            </a:r>
+            <a:r>
+              <a:rPr lang="en-US" sz="2000" dirty="0" err="1"/>
+              <a:t>tipo</a:t>
+            </a:r>
+            <a:r>
+              <a:rPr lang="en-US" sz="2000" dirty="0"/>
+              <a:t> del log e </a:t>
+            </a:r>
+            <a:r>
+              <a:rPr lang="en-US" sz="2000" dirty="0" err="1"/>
+              <a:t>indirizzo</a:t>
+            </a:r>
+            <a:r>
+              <a:rPr lang="en-US" sz="2000" dirty="0"/>
+              <a:t> del client.</a:t>
+            </a:r>
+          </a:p>
+        </p:txBody>
+      </p:sp>
+    </p:spTree>
+    <p:extLst>
+      <p:ext uri="{BB962C8B-B14F-4D97-AF65-F5344CB8AC3E}">
+        <p14:creationId xmlns:p14="http://schemas.microsoft.com/office/powerpoint/2010/main" val="1909877422"/>
+      </p:ext>
+    </p:extLst>
+  </p:cSld>
+  <p:clrMapOvr>
+    <a:masterClrMapping/>
+  </p:clrMapOvr>
+</p:sld>
+</file>
+
+<file path=ppt/slides/slide18.xml><?xml version="1.0" encoding="utf-8"?>
+<p:sld xmlns:a="http://schemas.openxmlformats.org/drawingml/2006/main" xmlns:r="http://schemas.openxmlformats.org/officeDocument/2006/relationships" xmlns:p="http://schemas.openxmlformats.org/presentationml/2006/main">
+  <p:cSld>
+    <p:spTree>
+      <p:nvGrpSpPr>
+        <p:cNvPr id="1" name=""/>
+        <p:cNvGrpSpPr/>
+        <p:nvPr/>
+      </p:nvGrpSpPr>
+      <p:grpSpPr>
+        <a:xfrm>
+          <a:off x="0" y="0"/>
+          <a:ext cx="0" cy="0"/>
+          <a:chOff x="0" y="0"/>
+          <a:chExt cx="0" cy="0"/>
+        </a:xfrm>
+      </p:grpSpPr>
+      <p:sp>
+        <p:nvSpPr>
+          <p:cNvPr id="4" name="Title 3"/>
+          <p:cNvSpPr>
+            <a:spLocks noGrp="1"/>
+          </p:cNvSpPr>
+          <p:nvPr>
+            <p:ph type="title"/>
+          </p:nvPr>
+        </p:nvSpPr>
+        <p:spPr>
+          <a:xfrm>
+            <a:off x="0" y="0"/>
+            <a:ext cx="6541015" cy="725349"/>
+          </a:xfrm>
+        </p:spPr>
+        <p:txBody>
+          <a:bodyPr>
+            <a:normAutofit/>
+          </a:bodyPr>
+          <a:lstStyle/>
+          <a:p>
+            <a:r>
+              <a:rPr lang="en-US" dirty="0"/>
+              <a:t>Logger</a:t>
+            </a:r>
+          </a:p>
+        </p:txBody>
+      </p:sp>
+      <p:sp>
+        <p:nvSpPr>
+          <p:cNvPr id="5" name="Content Placeholder 4"/>
+          <p:cNvSpPr>
+            <a:spLocks noGrp="1"/>
+          </p:cNvSpPr>
+          <p:nvPr>
+            <p:ph idx="1"/>
+          </p:nvPr>
+        </p:nvSpPr>
+        <p:spPr>
+          <a:xfrm>
+            <a:off x="0" y="725349"/>
+            <a:ext cx="7329488" cy="4418151"/>
+          </a:xfrm>
+        </p:spPr>
+        <p:txBody>
+          <a:bodyPr>
+            <a:normAutofit/>
+          </a:bodyPr>
+          <a:lstStyle/>
+          <a:p>
+            <a:pPr marL="0" indent="0">
+              <a:buNone/>
+            </a:pPr>
+            <a:endParaRPr lang="en-US" sz="2000" dirty="0"/>
+          </a:p>
+        </p:txBody>
+      </p:sp>
+    </p:spTree>
+    <p:extLst>
+      <p:ext uri="{BB962C8B-B14F-4D97-AF65-F5344CB8AC3E}">
+        <p14:creationId xmlns:p14="http://schemas.microsoft.com/office/powerpoint/2010/main" val="2402144146"/>
+      </p:ext>
+    </p:extLst>
+  </p:cSld>
+  <p:clrMapOvr>
+    <a:masterClrMapping/>
+  </p:clrMapOvr>
+</p:sld>
+</file>
+
+<file path=ppt/slides/slide19.xml><?xml version="1.0" encoding="utf-8"?>
+<p:sld xmlns:a="http://schemas.openxmlformats.org/drawingml/2006/main" xmlns:r="http://schemas.openxmlformats.org/officeDocument/2006/relationships" xmlns:p="http://schemas.openxmlformats.org/presentationml/2006/main">
+  <p:cSld>
+    <p:spTree>
+      <p:nvGrpSpPr>
+        <p:cNvPr id="1" name=""/>
+        <p:cNvGrpSpPr/>
+        <p:nvPr/>
+      </p:nvGrpSpPr>
+      <p:grpSpPr>
+        <a:xfrm>
+          <a:off x="0" y="0"/>
+          <a:ext cx="0" cy="0"/>
+          <a:chOff x="0" y="0"/>
+          <a:chExt cx="0" cy="0"/>
+        </a:xfrm>
+      </p:grpSpPr>
+      <p:sp>
+        <p:nvSpPr>
+          <p:cNvPr id="4" name="Title 3"/>
+          <p:cNvSpPr>
+            <a:spLocks noGrp="1"/>
+          </p:cNvSpPr>
+          <p:nvPr>
+            <p:ph type="title"/>
+          </p:nvPr>
+        </p:nvSpPr>
+        <p:spPr>
+          <a:xfrm>
+            <a:off x="0" y="0"/>
+            <a:ext cx="6541015" cy="725349"/>
+          </a:xfrm>
+        </p:spPr>
+        <p:txBody>
+          <a:bodyPr>
+            <a:normAutofit/>
+          </a:bodyPr>
+          <a:lstStyle/>
+          <a:p>
+            <a:r>
+              <a:rPr lang="en-US" dirty="0" err="1"/>
+              <a:t>LoggerManager</a:t>
+            </a:r>
+            <a:endParaRPr lang="en-US" dirty="0"/>
+          </a:p>
+        </p:txBody>
+      </p:sp>
+      <p:sp>
+        <p:nvSpPr>
+          <p:cNvPr id="5" name="Content Placeholder 4"/>
+          <p:cNvSpPr>
+            <a:spLocks noGrp="1"/>
+          </p:cNvSpPr>
+          <p:nvPr>
+            <p:ph idx="1"/>
+          </p:nvPr>
+        </p:nvSpPr>
+        <p:spPr>
+          <a:xfrm>
+            <a:off x="0" y="725349"/>
+            <a:ext cx="7329488" cy="4418151"/>
+          </a:xfrm>
+        </p:spPr>
+        <p:txBody>
+          <a:bodyPr>
+            <a:normAutofit/>
+          </a:bodyPr>
+          <a:lstStyle/>
+          <a:p>
+            <a:pPr marL="0" indent="0">
+              <a:buNone/>
+            </a:pPr>
+            <a:endParaRPr lang="en-US" sz="2000" dirty="0"/>
+          </a:p>
+        </p:txBody>
+      </p:sp>
+    </p:spTree>
+    <p:extLst>
+      <p:ext uri="{BB962C8B-B14F-4D97-AF65-F5344CB8AC3E}">
+        <p14:creationId xmlns:p14="http://schemas.microsoft.com/office/powerpoint/2010/main" val="2288949238"/>
+      </p:ext>
+    </p:extLst>
+  </p:cSld>
+  <p:clrMapOvr>
+    <a:masterClrMapping/>
+  </p:clrMapOvr>
+</p:sld>
+</file>
+
+<file path=ppt/slides/slide2.xml><?xml version="1.0" encoding="utf-8"?>
+<p:sld xmlns:a="http://schemas.openxmlformats.org/drawingml/2006/main" xmlns:r="http://schemas.openxmlformats.org/officeDocument/2006/relationships" xmlns:p="http://schemas.openxmlformats.org/presentationml/2006/main">
+  <p:cSld>
+    <p:spTree>
+      <p:nvGrpSpPr>
+        <p:cNvPr id="1" name=""/>
+        <p:cNvGrpSpPr/>
+        <p:nvPr/>
+      </p:nvGrpSpPr>
+      <p:grpSpPr>
+        <a:xfrm>
+          <a:off x="0" y="0"/>
+          <a:ext cx="0" cy="0"/>
+          <a:chOff x="0" y="0"/>
+          <a:chExt cx="0" cy="0"/>
+        </a:xfrm>
+      </p:grpSpPr>
+      <p:sp>
+        <p:nvSpPr>
+          <p:cNvPr id="4" name="Title 3"/>
+          <p:cNvSpPr>
+            <a:spLocks noGrp="1"/>
+          </p:cNvSpPr>
+          <p:nvPr>
+            <p:ph type="title"/>
+          </p:nvPr>
+        </p:nvSpPr>
+        <p:spPr>
+          <a:xfrm>
+            <a:off x="0" y="0"/>
+            <a:ext cx="6541015" cy="725349"/>
+          </a:xfrm>
+        </p:spPr>
+        <p:txBody>
+          <a:bodyPr>
+            <a:normAutofit/>
+          </a:bodyPr>
+          <a:lstStyle/>
+          <a:p>
+            <a:r>
+              <a:rPr lang="en-US" dirty="0" err="1"/>
+              <a:t>Architettura</a:t>
+            </a:r>
+            <a:r>
+              <a:rPr lang="en-US" dirty="0"/>
+              <a:t> del Web Server</a:t>
+            </a:r>
+          </a:p>
+        </p:txBody>
+      </p:sp>
+      <p:sp>
+        <p:nvSpPr>
+          <p:cNvPr id="5" name="Content Placeholder 4"/>
+          <p:cNvSpPr>
+            <a:spLocks noGrp="1"/>
+          </p:cNvSpPr>
+          <p:nvPr>
+            <p:ph idx="1"/>
+          </p:nvPr>
+        </p:nvSpPr>
+        <p:spPr>
+          <a:xfrm>
+            <a:off x="0" y="725349"/>
+            <a:ext cx="7329488" cy="4418151"/>
+          </a:xfrm>
+        </p:spPr>
+        <p:txBody>
+          <a:bodyPr>
+            <a:normAutofit/>
+          </a:bodyPr>
+          <a:lstStyle/>
+          <a:p>
+            <a:pPr marL="0" indent="0">
+              <a:buNone/>
+            </a:pPr>
+            <a:r>
+              <a:rPr lang="en-US" sz="2000" dirty="0"/>
+              <a:t>Per la </a:t>
+            </a:r>
+            <a:r>
+              <a:rPr lang="en-US" sz="2000" dirty="0" err="1"/>
+              <a:t>gestione</a:t>
+            </a:r>
+            <a:r>
+              <a:rPr lang="en-US" sz="2000" dirty="0"/>
+              <a:t> </a:t>
+            </a:r>
+            <a:r>
+              <a:rPr lang="en-US" sz="2000" dirty="0" err="1"/>
+              <a:t>della</a:t>
+            </a:r>
+            <a:r>
+              <a:rPr lang="en-US" sz="2000" dirty="0"/>
+              <a:t> </a:t>
+            </a:r>
+            <a:r>
+              <a:rPr lang="en-US" sz="2000" dirty="0" err="1"/>
+              <a:t>concorrenza</a:t>
+            </a:r>
+            <a:r>
+              <a:rPr lang="en-US" sz="2000" dirty="0"/>
+              <a:t> </a:t>
+            </a:r>
+            <a:r>
+              <a:rPr lang="en-US" sz="2000" dirty="0" err="1"/>
+              <a:t>si</a:t>
+            </a:r>
+            <a:r>
+              <a:rPr lang="en-US" sz="2000" dirty="0"/>
+              <a:t> è </a:t>
+            </a:r>
+            <a:r>
+              <a:rPr lang="en-US" sz="2000" dirty="0" err="1"/>
+              <a:t>adottata</a:t>
+            </a:r>
+            <a:r>
+              <a:rPr lang="en-US" sz="2000" dirty="0"/>
+              <a:t> una </a:t>
+            </a:r>
+            <a:r>
+              <a:rPr lang="en-US" sz="2000" dirty="0" err="1"/>
+              <a:t>strategia</a:t>
+            </a:r>
+            <a:r>
+              <a:rPr lang="en-US" sz="2000" dirty="0"/>
+              <a:t> tale da </a:t>
+            </a:r>
+            <a:r>
+              <a:rPr lang="en-US" sz="2000" dirty="0" err="1"/>
+              <a:t>incorporare</a:t>
+            </a:r>
+            <a:r>
+              <a:rPr lang="en-US" sz="2000" dirty="0"/>
+              <a:t> I </a:t>
+            </a:r>
+            <a:r>
+              <a:rPr lang="en-US" sz="2000" dirty="0" err="1"/>
+              <a:t>vantaggi</a:t>
+            </a:r>
+            <a:r>
+              <a:rPr lang="en-US" sz="2000" dirty="0"/>
+              <a:t> </a:t>
+            </a:r>
+            <a:r>
+              <a:rPr lang="en-US" sz="2000" dirty="0" err="1"/>
+              <a:t>offerti</a:t>
+            </a:r>
+            <a:r>
+              <a:rPr lang="en-US" sz="2000" dirty="0"/>
+              <a:t> da un </a:t>
+            </a:r>
+            <a:r>
+              <a:rPr lang="en-US" sz="2000" dirty="0" err="1"/>
+              <a:t>architettura</a:t>
+            </a:r>
+            <a:r>
+              <a:rPr lang="en-US" sz="2000" dirty="0"/>
+              <a:t> multi-</a:t>
+            </a:r>
+            <a:r>
+              <a:rPr lang="en-US" sz="2000" dirty="0" err="1"/>
+              <a:t>processo</a:t>
+            </a:r>
+            <a:r>
+              <a:rPr lang="en-US" sz="2000" dirty="0"/>
+              <a:t> ed una </a:t>
+            </a:r>
+            <a:r>
+              <a:rPr lang="en-US" sz="2000" dirty="0" err="1"/>
+              <a:t>basata</a:t>
+            </a:r>
+            <a:r>
+              <a:rPr lang="en-US" sz="2000" dirty="0"/>
+              <a:t> </a:t>
+            </a:r>
+            <a:r>
+              <a:rPr lang="en-US" sz="2000" dirty="0" err="1"/>
+              <a:t>su</a:t>
+            </a:r>
+            <a:r>
+              <a:rPr lang="en-US" sz="2000" dirty="0"/>
+              <a:t> </a:t>
+            </a:r>
+            <a:r>
+              <a:rPr lang="en-US" sz="2000" dirty="0" err="1"/>
+              <a:t>eventi</a:t>
+            </a:r>
+            <a:r>
+              <a:rPr lang="en-US" sz="2000" dirty="0"/>
+              <a:t>.</a:t>
+            </a:r>
+          </a:p>
+          <a:p>
+            <a:pPr marL="0" indent="0">
+              <a:buNone/>
+            </a:pPr>
+            <a:r>
+              <a:rPr lang="en-US" sz="2000" dirty="0"/>
+              <a:t>Exodus </a:t>
+            </a:r>
+            <a:r>
+              <a:rPr lang="en-US" sz="2000" dirty="0" err="1"/>
+              <a:t>effettua</a:t>
+            </a:r>
+            <a:r>
+              <a:rPr lang="en-US" sz="2000" dirty="0"/>
+              <a:t> </a:t>
+            </a:r>
+            <a:r>
+              <a:rPr lang="en-US" sz="2000" dirty="0" err="1"/>
+              <a:t>preforking</a:t>
+            </a:r>
+            <a:r>
+              <a:rPr lang="en-US" sz="2000" dirty="0"/>
+              <a:t> </a:t>
+            </a:r>
+            <a:r>
+              <a:rPr lang="en-US" sz="2000" dirty="0" err="1"/>
+              <a:t>dinamico</a:t>
+            </a:r>
+            <a:r>
+              <a:rPr lang="en-US" sz="2000" dirty="0"/>
+              <a:t>, in cui </a:t>
+            </a:r>
+            <a:r>
+              <a:rPr lang="en-US" sz="2000" dirty="0" err="1"/>
+              <a:t>ogni</a:t>
+            </a:r>
+            <a:r>
+              <a:rPr lang="en-US" sz="2000" dirty="0"/>
+              <a:t> </a:t>
+            </a:r>
+            <a:r>
+              <a:rPr lang="en-US" sz="2000" dirty="0" err="1"/>
+              <a:t>processo</a:t>
+            </a:r>
+            <a:r>
+              <a:rPr lang="en-US" sz="2000" dirty="0"/>
+              <a:t> </a:t>
+            </a:r>
+            <a:r>
+              <a:rPr lang="en-US" sz="2000" dirty="0" err="1"/>
+              <a:t>generato</a:t>
+            </a:r>
+            <a:r>
+              <a:rPr lang="en-US" sz="2000" dirty="0"/>
+              <a:t> è una ‘</a:t>
+            </a:r>
+            <a:r>
+              <a:rPr lang="en-US" sz="2000" dirty="0" err="1"/>
+              <a:t>diramazione</a:t>
+            </a:r>
+            <a:r>
+              <a:rPr lang="en-US" sz="2000" dirty="0"/>
+              <a:t>’ del Web Server ed è </a:t>
+            </a:r>
+            <a:r>
+              <a:rPr lang="en-US" sz="2000" dirty="0" err="1"/>
+              <a:t>basata</a:t>
+            </a:r>
+            <a:r>
+              <a:rPr lang="en-US" sz="2000" dirty="0"/>
+              <a:t> </a:t>
+            </a:r>
+            <a:r>
+              <a:rPr lang="en-US" sz="2000" dirty="0" err="1"/>
+              <a:t>su</a:t>
+            </a:r>
+            <a:r>
+              <a:rPr lang="en-US" sz="2000" dirty="0"/>
+              <a:t> </a:t>
+            </a:r>
+            <a:r>
+              <a:rPr lang="en-US" sz="2000" dirty="0" err="1"/>
+              <a:t>eventi</a:t>
+            </a:r>
+            <a:r>
+              <a:rPr lang="en-US" sz="2000" dirty="0"/>
+              <a:t>.</a:t>
+            </a:r>
+          </a:p>
+          <a:p>
+            <a:pPr marL="0" indent="0">
+              <a:buNone/>
+            </a:pPr>
+            <a:r>
+              <a:rPr lang="en-US" sz="2000" dirty="0" err="1"/>
+              <a:t>L’obbiettivo</a:t>
+            </a:r>
+            <a:r>
+              <a:rPr lang="en-US" sz="2000" dirty="0"/>
+              <a:t> è </a:t>
+            </a:r>
+            <a:r>
+              <a:rPr lang="en-US" sz="2000" dirty="0" err="1"/>
+              <a:t>quello</a:t>
+            </a:r>
+            <a:r>
+              <a:rPr lang="en-US" sz="2000" dirty="0"/>
+              <a:t> di </a:t>
+            </a:r>
+            <a:r>
+              <a:rPr lang="en-US" sz="2000" dirty="0" err="1"/>
+              <a:t>inglobare</a:t>
+            </a:r>
+            <a:r>
+              <a:rPr lang="en-US" sz="2000" dirty="0"/>
+              <a:t> la </a:t>
+            </a:r>
+            <a:r>
+              <a:rPr lang="en-US" sz="2000" dirty="0" err="1"/>
+              <a:t>velocità</a:t>
+            </a:r>
+            <a:r>
+              <a:rPr lang="en-US" sz="2000" dirty="0"/>
+              <a:t> </a:t>
+            </a:r>
+            <a:r>
+              <a:rPr lang="en-US" sz="2000" dirty="0" err="1"/>
+              <a:t>offerta</a:t>
+            </a:r>
+            <a:r>
+              <a:rPr lang="en-US" sz="2000" dirty="0"/>
+              <a:t> da un </a:t>
+            </a:r>
+            <a:r>
+              <a:rPr lang="en-US" sz="2000" dirty="0" err="1"/>
+              <a:t>approccio</a:t>
+            </a:r>
+            <a:r>
+              <a:rPr lang="en-US" sz="2000" dirty="0"/>
+              <a:t> </a:t>
+            </a:r>
+            <a:r>
+              <a:rPr lang="en-US" sz="2000" dirty="0" err="1"/>
+              <a:t>basato</a:t>
+            </a:r>
+            <a:r>
+              <a:rPr lang="en-US" sz="2000" dirty="0"/>
+              <a:t> </a:t>
+            </a:r>
+            <a:r>
+              <a:rPr lang="en-US" sz="2000" dirty="0" err="1"/>
+              <a:t>su</a:t>
+            </a:r>
+            <a:r>
+              <a:rPr lang="en-US" sz="2000" dirty="0"/>
+              <a:t> </a:t>
+            </a:r>
+            <a:r>
+              <a:rPr lang="en-US" sz="2000" dirty="0" err="1"/>
+              <a:t>eventi</a:t>
+            </a:r>
+            <a:r>
+              <a:rPr lang="en-US" sz="2000" dirty="0"/>
+              <a:t> ed </a:t>
+            </a:r>
+            <a:r>
+              <a:rPr lang="en-US" sz="2000" dirty="0" err="1"/>
+              <a:t>eliminarne</a:t>
+            </a:r>
+            <a:r>
+              <a:rPr lang="en-US" sz="2000" dirty="0"/>
+              <a:t> </a:t>
+            </a:r>
+            <a:r>
+              <a:rPr lang="en-US" sz="2000" dirty="0" err="1"/>
+              <a:t>gli</a:t>
+            </a:r>
+            <a:r>
+              <a:rPr lang="en-US" sz="2000" dirty="0"/>
+              <a:t> </a:t>
+            </a:r>
+            <a:r>
+              <a:rPr lang="en-US" sz="2000" dirty="0" err="1"/>
+              <a:t>svantaggi</a:t>
+            </a:r>
+            <a:r>
+              <a:rPr lang="en-US" sz="2000" dirty="0"/>
+              <a:t>. Con </a:t>
+            </a:r>
+            <a:r>
+              <a:rPr lang="en-US" sz="2000" dirty="0" err="1"/>
+              <a:t>l’ausilio</a:t>
+            </a:r>
+            <a:r>
+              <a:rPr lang="en-US" sz="2000" dirty="0"/>
+              <a:t> di </a:t>
+            </a:r>
+            <a:r>
+              <a:rPr lang="en-US" sz="2000" dirty="0" err="1"/>
+              <a:t>più</a:t>
+            </a:r>
+            <a:r>
+              <a:rPr lang="en-US" sz="2000" dirty="0"/>
+              <a:t> ‘</a:t>
+            </a:r>
+            <a:r>
+              <a:rPr lang="en-US" sz="2000" dirty="0" err="1"/>
+              <a:t>diramazioni</a:t>
+            </a:r>
+            <a:r>
+              <a:rPr lang="en-US" sz="2000" dirty="0"/>
+              <a:t>’ </a:t>
+            </a:r>
+            <a:r>
+              <a:rPr lang="en-US" sz="2000" dirty="0" err="1"/>
+              <a:t>il</a:t>
+            </a:r>
+            <a:r>
+              <a:rPr lang="en-US" sz="2000" dirty="0"/>
+              <a:t> server è </a:t>
+            </a:r>
+            <a:r>
+              <a:rPr lang="en-US" sz="2000" dirty="0" err="1"/>
+              <a:t>più</a:t>
+            </a:r>
+            <a:r>
+              <a:rPr lang="en-US" sz="2000" dirty="0"/>
+              <a:t> </a:t>
+            </a:r>
+            <a:r>
+              <a:rPr lang="en-US" sz="2000" dirty="0" err="1"/>
+              <a:t>robusto</a:t>
+            </a:r>
+            <a:r>
+              <a:rPr lang="en-US" sz="2000" dirty="0"/>
+              <a:t> e non </a:t>
+            </a:r>
+            <a:r>
+              <a:rPr lang="en-US" sz="2000" dirty="0" err="1"/>
+              <a:t>impone</a:t>
+            </a:r>
+            <a:r>
+              <a:rPr lang="en-US" sz="2000" dirty="0"/>
+              <a:t> </a:t>
+            </a:r>
+            <a:r>
+              <a:rPr lang="en-US" sz="2000" dirty="0" err="1"/>
+              <a:t>limiti</a:t>
+            </a:r>
+            <a:r>
+              <a:rPr lang="en-US" sz="2000" dirty="0"/>
+              <a:t> </a:t>
+            </a:r>
+            <a:r>
+              <a:rPr lang="en-US" sz="2000" dirty="0" err="1"/>
+              <a:t>sul</a:t>
+            </a:r>
+            <a:r>
+              <a:rPr lang="en-US" sz="2000" dirty="0"/>
+              <a:t> </a:t>
+            </a:r>
+            <a:r>
+              <a:rPr lang="en-US" sz="2000" dirty="0" err="1"/>
+              <a:t>numero</a:t>
+            </a:r>
+            <a:r>
+              <a:rPr lang="en-US" sz="2000" dirty="0"/>
+              <a:t> </a:t>
+            </a:r>
+            <a:r>
+              <a:rPr lang="en-US" sz="2000" dirty="0" err="1"/>
+              <a:t>dei</a:t>
+            </a:r>
+            <a:r>
+              <a:rPr lang="en-US" sz="2000" dirty="0"/>
+              <a:t> client </a:t>
+            </a:r>
+            <a:r>
+              <a:rPr lang="en-US" sz="2000" dirty="0" err="1"/>
+              <a:t>connessi</a:t>
+            </a:r>
+            <a:r>
+              <a:rPr lang="en-US" sz="2000" dirty="0"/>
+              <a:t>: la failure di una di </a:t>
+            </a:r>
+            <a:r>
+              <a:rPr lang="en-US" sz="2000" dirty="0" err="1"/>
+              <a:t>esse</a:t>
+            </a:r>
+            <a:r>
+              <a:rPr lang="en-US" sz="2000" dirty="0"/>
+              <a:t> non fa </a:t>
+            </a:r>
+            <a:r>
+              <a:rPr lang="en-US" sz="2000" dirty="0" err="1"/>
+              <a:t>fermare</a:t>
+            </a:r>
+            <a:r>
+              <a:rPr lang="en-US" sz="2000" dirty="0"/>
+              <a:t> </a:t>
+            </a:r>
+            <a:r>
+              <a:rPr lang="en-US" sz="2000" dirty="0" err="1"/>
+              <a:t>l’intero</a:t>
+            </a:r>
+            <a:r>
+              <a:rPr lang="en-US" sz="2000" dirty="0"/>
+              <a:t> server, ed </a:t>
+            </a:r>
+            <a:r>
+              <a:rPr lang="en-US" sz="2000" dirty="0" err="1"/>
+              <a:t>inoltre</a:t>
+            </a:r>
+            <a:r>
+              <a:rPr lang="en-US" sz="2000" dirty="0"/>
+              <a:t> </a:t>
+            </a:r>
+            <a:r>
+              <a:rPr lang="en-US" sz="2000" dirty="0" err="1"/>
+              <a:t>il</a:t>
+            </a:r>
+            <a:r>
+              <a:rPr lang="en-US" sz="2000" dirty="0"/>
+              <a:t> </a:t>
+            </a:r>
+            <a:r>
+              <a:rPr lang="en-US" sz="2000" dirty="0" err="1"/>
+              <a:t>numero</a:t>
+            </a:r>
+            <a:r>
+              <a:rPr lang="en-US" sz="2000" dirty="0"/>
+              <a:t> </a:t>
+            </a:r>
+            <a:r>
+              <a:rPr lang="en-US" sz="2000" dirty="0" err="1"/>
+              <a:t>massimo</a:t>
+            </a:r>
+            <a:r>
+              <a:rPr lang="en-US" sz="2000" dirty="0"/>
+              <a:t> di file descriptor (e </a:t>
+            </a:r>
+            <a:r>
+              <a:rPr lang="en-US" sz="2000" dirty="0" err="1"/>
+              <a:t>quindi</a:t>
+            </a:r>
+            <a:r>
+              <a:rPr lang="en-US" sz="2000" dirty="0"/>
+              <a:t> di client) </a:t>
+            </a:r>
+            <a:r>
+              <a:rPr lang="en-US" sz="2000" dirty="0" err="1"/>
+              <a:t>gestiti</a:t>
+            </a:r>
+            <a:r>
+              <a:rPr lang="en-US" sz="2000" dirty="0"/>
+              <a:t> da una </a:t>
+            </a:r>
+            <a:r>
+              <a:rPr lang="en-US" sz="2000" dirty="0" err="1"/>
+              <a:t>singola</a:t>
+            </a:r>
+            <a:r>
+              <a:rPr lang="en-US" sz="2000" dirty="0"/>
+              <a:t> </a:t>
+            </a:r>
+            <a:r>
+              <a:rPr lang="en-US" sz="2000" dirty="0" err="1"/>
+              <a:t>diramazione</a:t>
+            </a:r>
+            <a:r>
+              <a:rPr lang="en-US" sz="2000" dirty="0"/>
+              <a:t> non </a:t>
+            </a:r>
+            <a:r>
+              <a:rPr lang="en-US" sz="2000" dirty="0" err="1"/>
+              <a:t>comporta</a:t>
+            </a:r>
+            <a:r>
+              <a:rPr lang="en-US" sz="2000" dirty="0"/>
+              <a:t> un </a:t>
+            </a:r>
+            <a:r>
+              <a:rPr lang="en-US" sz="2000" dirty="0" err="1"/>
+              <a:t>limite</a:t>
+            </a:r>
+            <a:r>
+              <a:rPr lang="en-US" sz="2000" dirty="0"/>
+              <a:t> per </a:t>
+            </a:r>
+            <a:r>
+              <a:rPr lang="en-US" sz="2000" dirty="0" err="1"/>
+              <a:t>l’intero</a:t>
+            </a:r>
+            <a:r>
+              <a:rPr lang="en-US" sz="2000" dirty="0"/>
+              <a:t> Server Web.</a:t>
+            </a:r>
+          </a:p>
+        </p:txBody>
+      </p:sp>
+    </p:spTree>
+    <p:extLst>
+      <p:ext uri="{BB962C8B-B14F-4D97-AF65-F5344CB8AC3E}">
+        <p14:creationId xmlns:p14="http://schemas.microsoft.com/office/powerpoint/2010/main" val="1045482559"/>
+      </p:ext>
+    </p:extLst>
+  </p:cSld>
+  <p:clrMapOvr>
+    <a:masterClrMapping/>
+  </p:clrMapOvr>
+</p:sld>
+</file>
+
+<file path=ppt/slides/slide20.xml><?xml version="1.0" encoding="utf-8"?>
+<p:sld xmlns:a="http://schemas.openxmlformats.org/drawingml/2006/main" xmlns:r="http://schemas.openxmlformats.org/officeDocument/2006/relationships" xmlns:p="http://schemas.openxmlformats.org/presentationml/2006/main">
+  <p:cSld>
+    <p:spTree>
+      <p:nvGrpSpPr>
+        <p:cNvPr id="1" name=""/>
+        <p:cNvGrpSpPr/>
+        <p:nvPr/>
+      </p:nvGrpSpPr>
+      <p:grpSpPr>
+        <a:xfrm>
+          <a:off x="0" y="0"/>
+          <a:ext cx="0" cy="0"/>
+          <a:chOff x="0" y="0"/>
+          <a:chExt cx="0" cy="0"/>
+        </a:xfrm>
+      </p:grpSpPr>
+      <p:sp>
+        <p:nvSpPr>
+          <p:cNvPr id="4" name="Title 3"/>
+          <p:cNvSpPr>
+            <a:spLocks noGrp="1"/>
+          </p:cNvSpPr>
+          <p:nvPr>
+            <p:ph type="title"/>
+          </p:nvPr>
+        </p:nvSpPr>
+        <p:spPr>
+          <a:xfrm>
+            <a:off x="0" y="0"/>
+            <a:ext cx="6541015" cy="725349"/>
+          </a:xfrm>
+        </p:spPr>
+        <p:txBody>
+          <a:bodyPr>
+            <a:noAutofit/>
+          </a:bodyPr>
+          <a:lstStyle/>
+          <a:p>
+            <a:r>
+              <a:rPr lang="en-US" sz="2400" dirty="0"/>
+              <a:t>Logging, </a:t>
+            </a:r>
+            <a:r>
+              <a:rPr lang="en-US" sz="2400" dirty="0" err="1"/>
+              <a:t>sincronizzazione</a:t>
+            </a:r>
+            <a:r>
+              <a:rPr lang="en-US" sz="2400" dirty="0"/>
+              <a:t> </a:t>
+            </a:r>
+            <a:r>
+              <a:rPr lang="en-US" sz="2400" dirty="0" err="1"/>
+              <a:t>tra</a:t>
+            </a:r>
+            <a:r>
+              <a:rPr lang="en-US" sz="2400" dirty="0"/>
+              <a:t> </a:t>
+            </a:r>
+            <a:r>
+              <a:rPr lang="en-US" sz="2400" dirty="0" err="1"/>
+              <a:t>componenti</a:t>
+            </a:r>
+            <a:r>
+              <a:rPr lang="en-US" sz="2400" dirty="0"/>
+              <a:t> di Exodus</a:t>
+            </a:r>
+          </a:p>
+        </p:txBody>
+      </p:sp>
+      <p:sp>
+        <p:nvSpPr>
+          <p:cNvPr id="5" name="Content Placeholder 4"/>
+          <p:cNvSpPr>
+            <a:spLocks noGrp="1"/>
+          </p:cNvSpPr>
+          <p:nvPr>
+            <p:ph idx="1"/>
+          </p:nvPr>
+        </p:nvSpPr>
+        <p:spPr>
+          <a:xfrm>
+            <a:off x="0" y="725349"/>
+            <a:ext cx="7329488" cy="4418151"/>
+          </a:xfrm>
+        </p:spPr>
+        <p:txBody>
+          <a:bodyPr>
+            <a:normAutofit/>
+          </a:bodyPr>
+          <a:lstStyle/>
+          <a:p>
+            <a:pPr marL="0" indent="0">
+              <a:buNone/>
+            </a:pPr>
+            <a:r>
+              <a:rPr lang="en-US" sz="2000" dirty="0"/>
+              <a:t>Per </a:t>
+            </a:r>
+            <a:r>
+              <a:rPr lang="en-US" sz="2000" dirty="0" err="1"/>
+              <a:t>garantire</a:t>
+            </a:r>
+            <a:r>
+              <a:rPr lang="en-US" sz="2000" dirty="0"/>
+              <a:t> la </a:t>
+            </a:r>
+            <a:r>
+              <a:rPr lang="en-US" sz="2000" dirty="0" err="1"/>
+              <a:t>scrittura</a:t>
+            </a:r>
+            <a:r>
+              <a:rPr lang="en-US" sz="2000" dirty="0"/>
+              <a:t> </a:t>
+            </a:r>
+            <a:r>
+              <a:rPr lang="en-US" sz="2000" dirty="0" err="1"/>
+              <a:t>su</a:t>
+            </a:r>
+            <a:r>
+              <a:rPr lang="en-US" sz="2000" dirty="0"/>
+              <a:t> disco </a:t>
+            </a:r>
+            <a:r>
+              <a:rPr lang="en-US" sz="2000" dirty="0" err="1"/>
+              <a:t>asincrona</a:t>
+            </a:r>
+            <a:r>
+              <a:rPr lang="en-US" sz="2000" dirty="0"/>
+              <a:t> </a:t>
+            </a:r>
+            <a:r>
+              <a:rPr lang="en-US" sz="2000" dirty="0" err="1"/>
+              <a:t>alla</a:t>
+            </a:r>
+            <a:r>
+              <a:rPr lang="en-US" sz="2000" dirty="0"/>
+              <a:t> </a:t>
+            </a:r>
+            <a:r>
+              <a:rPr lang="en-US" sz="2000" dirty="0" err="1"/>
+              <a:t>gestione</a:t>
+            </a:r>
+            <a:r>
+              <a:rPr lang="en-US" sz="2000" dirty="0"/>
+              <a:t> </a:t>
+            </a:r>
+            <a:r>
+              <a:rPr lang="en-US" sz="2000" dirty="0" err="1"/>
+              <a:t>dei</a:t>
+            </a:r>
+            <a:r>
+              <a:rPr lang="en-US" sz="2000" dirty="0"/>
+              <a:t> client </a:t>
+            </a:r>
+            <a:r>
+              <a:rPr lang="en-US" sz="2000" dirty="0" err="1"/>
+              <a:t>fatta</a:t>
+            </a:r>
+            <a:r>
+              <a:rPr lang="en-US" sz="2000" dirty="0"/>
+              <a:t> dale </a:t>
+            </a:r>
+            <a:r>
+              <a:rPr lang="en-US" sz="2000" dirty="0" err="1"/>
+              <a:t>ServerBranch</a:t>
+            </a:r>
+            <a:r>
+              <a:rPr lang="en-US" sz="2000" dirty="0"/>
+              <a:t>, </a:t>
+            </a:r>
+            <a:r>
+              <a:rPr lang="en-US" sz="2000" dirty="0" err="1"/>
+              <a:t>esiste</a:t>
+            </a:r>
+            <a:r>
+              <a:rPr lang="en-US" sz="2000" dirty="0"/>
+              <a:t> un alto </a:t>
+            </a:r>
+            <a:r>
+              <a:rPr lang="en-US" sz="2000" dirty="0" err="1"/>
+              <a:t>livello</a:t>
+            </a:r>
+            <a:r>
+              <a:rPr lang="en-US" sz="2000" dirty="0"/>
+              <a:t> di </a:t>
+            </a:r>
+            <a:r>
+              <a:rPr lang="en-US" sz="2000" dirty="0" err="1"/>
+              <a:t>sincronizzazione</a:t>
+            </a:r>
+            <a:r>
+              <a:rPr lang="en-US" sz="2000" dirty="0"/>
+              <a:t> </a:t>
+            </a:r>
+            <a:r>
+              <a:rPr lang="en-US" sz="2000" dirty="0" err="1"/>
+              <a:t>tra</a:t>
+            </a:r>
+            <a:endParaRPr lang="en-US" sz="2000" dirty="0"/>
+          </a:p>
+          <a:p>
+            <a:r>
+              <a:rPr lang="en-US" sz="2000" dirty="0"/>
+              <a:t>le </a:t>
+            </a:r>
+            <a:r>
+              <a:rPr lang="en-US" sz="2000" dirty="0" err="1"/>
+              <a:t>ServerBranch</a:t>
+            </a:r>
+            <a:r>
+              <a:rPr lang="en-US" sz="2000" dirty="0"/>
+              <a:t> e ‘</a:t>
+            </a:r>
+            <a:r>
+              <a:rPr lang="en-US" sz="2000" dirty="0" err="1"/>
+              <a:t>i</a:t>
+            </a:r>
+            <a:r>
+              <a:rPr lang="en-US" sz="2000" dirty="0"/>
+              <a:t> </a:t>
+            </a:r>
+            <a:r>
+              <a:rPr lang="en-US" sz="2000" dirty="0" err="1"/>
+              <a:t>propri</a:t>
+            </a:r>
+            <a:r>
+              <a:rPr lang="en-US" sz="2000" dirty="0"/>
+              <a:t>’ logger</a:t>
+            </a:r>
+          </a:p>
+          <a:p>
+            <a:r>
+              <a:rPr lang="en-US" sz="2000" dirty="0"/>
+              <a:t>I logger e </a:t>
+            </a:r>
+            <a:r>
+              <a:rPr lang="en-US" sz="2000" dirty="0" err="1"/>
+              <a:t>loggerManager</a:t>
+            </a:r>
+            <a:endParaRPr lang="en-US" sz="2000" dirty="0"/>
+          </a:p>
+          <a:p>
+            <a:r>
+              <a:rPr lang="en-US" sz="2000" dirty="0" err="1"/>
+              <a:t>loggerManager</a:t>
+            </a:r>
+            <a:r>
+              <a:rPr lang="en-US" sz="2000" dirty="0"/>
+              <a:t> e </a:t>
+            </a:r>
+            <a:r>
+              <a:rPr lang="en-US" sz="2000" dirty="0" err="1"/>
+              <a:t>ServerBranchesHandler</a:t>
+            </a:r>
+            <a:endParaRPr lang="en-US" sz="2000" dirty="0"/>
+          </a:p>
+          <a:p>
+            <a:pPr marL="0" indent="0">
+              <a:buNone/>
+            </a:pPr>
+            <a:endParaRPr lang="en-US" sz="2000" dirty="0"/>
+          </a:p>
+        </p:txBody>
+      </p:sp>
+    </p:spTree>
+    <p:extLst>
+      <p:ext uri="{BB962C8B-B14F-4D97-AF65-F5344CB8AC3E}">
+        <p14:creationId xmlns:p14="http://schemas.microsoft.com/office/powerpoint/2010/main" val="3338127042"/>
+      </p:ext>
+    </p:extLst>
+  </p:cSld>
+  <p:clrMapOvr>
+    <a:masterClrMapping/>
+  </p:clrMapOvr>
+</p:sld>
+</file>
+
+<file path=ppt/slides/slide21.xml><?xml version="1.0" encoding="utf-8"?>
+<p:sld xmlns:a="http://schemas.openxmlformats.org/drawingml/2006/main" xmlns:r="http://schemas.openxmlformats.org/officeDocument/2006/relationships" xmlns:p="http://schemas.openxmlformats.org/presentationml/2006/main">
+  <p:cSld>
+    <p:spTree>
+      <p:nvGrpSpPr>
+        <p:cNvPr id="1" name=""/>
+        <p:cNvGrpSpPr/>
+        <p:nvPr/>
+      </p:nvGrpSpPr>
+      <p:grpSpPr>
+        <a:xfrm>
+          <a:off x="0" y="0"/>
+          <a:ext cx="0" cy="0"/>
+          <a:chOff x="0" y="0"/>
+          <a:chExt cx="0" cy="0"/>
+        </a:xfrm>
+      </p:grpSpPr>
+      <p:sp>
+        <p:nvSpPr>
+          <p:cNvPr id="4" name="Title 3"/>
+          <p:cNvSpPr>
+            <a:spLocks noGrp="1"/>
+          </p:cNvSpPr>
+          <p:nvPr>
+            <p:ph type="title"/>
+          </p:nvPr>
+        </p:nvSpPr>
+        <p:spPr>
+          <a:xfrm>
+            <a:off x="0" y="0"/>
+            <a:ext cx="6541015" cy="725349"/>
+          </a:xfrm>
+        </p:spPr>
+        <p:txBody>
+          <a:bodyPr>
+            <a:noAutofit/>
+          </a:bodyPr>
+          <a:lstStyle/>
+          <a:p>
+            <a:r>
+              <a:rPr lang="en-US" sz="2400" dirty="0"/>
+              <a:t>Logging, </a:t>
+            </a:r>
+            <a:r>
+              <a:rPr lang="en-US" sz="2400" dirty="0" err="1"/>
+              <a:t>sincronizzazione</a:t>
+            </a:r>
+            <a:r>
+              <a:rPr lang="en-US" sz="2400" dirty="0"/>
+              <a:t> </a:t>
+            </a:r>
+            <a:r>
+              <a:rPr lang="en-US" sz="2400" dirty="0" err="1"/>
+              <a:t>tra</a:t>
+            </a:r>
+            <a:r>
+              <a:rPr lang="en-US" sz="2400" dirty="0"/>
+              <a:t> </a:t>
+            </a:r>
+            <a:r>
+              <a:rPr lang="en-US" sz="2400" dirty="0" err="1"/>
+              <a:t>componenti</a:t>
+            </a:r>
+            <a:r>
+              <a:rPr lang="en-US" sz="2400" dirty="0"/>
+              <a:t> di Exodus</a:t>
+            </a:r>
+          </a:p>
+        </p:txBody>
+      </p:sp>
+      <p:sp>
+        <p:nvSpPr>
+          <p:cNvPr id="5" name="Content Placeholder 4"/>
+          <p:cNvSpPr>
+            <a:spLocks noGrp="1"/>
+          </p:cNvSpPr>
+          <p:nvPr>
+            <p:ph idx="1"/>
+          </p:nvPr>
+        </p:nvSpPr>
+        <p:spPr>
+          <a:xfrm>
+            <a:off x="0" y="725349"/>
+            <a:ext cx="7329488" cy="4418151"/>
+          </a:xfrm>
+        </p:spPr>
+        <p:txBody>
+          <a:bodyPr>
+            <a:normAutofit/>
+          </a:bodyPr>
+          <a:lstStyle/>
+          <a:p>
+            <a:pPr marL="0" indent="0">
+              <a:buNone/>
+            </a:pPr>
+            <a:r>
+              <a:rPr lang="en-US" sz="2000" dirty="0"/>
+              <a:t>Fare </a:t>
+            </a:r>
+            <a:r>
+              <a:rPr lang="en-US" sz="2000" dirty="0" err="1"/>
+              <a:t>il</a:t>
+            </a:r>
+            <a:r>
+              <a:rPr lang="en-US" sz="2000" dirty="0"/>
+              <a:t> </a:t>
+            </a:r>
+            <a:r>
+              <a:rPr lang="en-US" sz="2000" dirty="0" err="1"/>
+              <a:t>disegno</a:t>
+            </a:r>
+            <a:endParaRPr lang="en-US" sz="2000" dirty="0"/>
+          </a:p>
+        </p:txBody>
+      </p:sp>
+    </p:spTree>
+    <p:extLst>
+      <p:ext uri="{BB962C8B-B14F-4D97-AF65-F5344CB8AC3E}">
+        <p14:creationId xmlns:p14="http://schemas.microsoft.com/office/powerpoint/2010/main" val="3518627109"/>
+      </p:ext>
+    </p:extLst>
+  </p:cSld>
+  <p:clrMapOvr>
+    <a:masterClrMapping/>
+  </p:clrMapOvr>
+</p:sld>
+</file>
+
+<file path=ppt/slides/slide22.xml><?xml version="1.0" encoding="utf-8"?>
+<p:sld xmlns:a="http://schemas.openxmlformats.org/drawingml/2006/main" xmlns:r="http://schemas.openxmlformats.org/officeDocument/2006/relationships" xmlns:p="http://schemas.openxmlformats.org/presentationml/2006/main">
+  <p:cSld>
+    <p:spTree>
+      <p:nvGrpSpPr>
+        <p:cNvPr id="1" name=""/>
+        <p:cNvGrpSpPr/>
+        <p:nvPr/>
+      </p:nvGrpSpPr>
+      <p:grpSpPr>
+        <a:xfrm>
+          <a:off x="0" y="0"/>
+          <a:ext cx="0" cy="0"/>
+          <a:chOff x="0" y="0"/>
+          <a:chExt cx="0" cy="0"/>
+        </a:xfrm>
+      </p:grpSpPr>
+      <p:sp>
+        <p:nvSpPr>
           <p:cNvPr id="2" name="Title 1"/>
           <p:cNvSpPr>
             <a:spLocks noGrp="1"/>
@@ -11745,7 +14064,7 @@
 </p:sld>
 </file>
 
-<file path=ppt/slides/slide17.xml><?xml version="1.0" encoding="utf-8"?>
+<file path=ppt/slides/slide23.xml><?xml version="1.0" encoding="utf-8"?>
 <p:sld xmlns:a="http://schemas.openxmlformats.org/drawingml/2006/main" xmlns:r="http://schemas.openxmlformats.org/officeDocument/2006/relationships" xmlns:p="http://schemas.openxmlformats.org/presentationml/2006/main">
   <p:cSld>
     <p:spTree>
@@ -11913,7 +14232,7 @@
 </p:sld>
 </file>
 
-<file path=ppt/slides/slide18.xml><?xml version="1.0" encoding="utf-8"?>
+<file path=ppt/slides/slide24.xml><?xml version="1.0" encoding="utf-8"?>
 <p:sld xmlns:a="http://schemas.openxmlformats.org/drawingml/2006/main" xmlns:r="http://schemas.openxmlformats.org/officeDocument/2006/relationships" xmlns:p="http://schemas.openxmlformats.org/presentationml/2006/main">
   <p:cSld>
     <p:spTree>
@@ -11977,611 +14296,6 @@
     <p:extLst>
       <p:ext uri="{BB962C8B-B14F-4D97-AF65-F5344CB8AC3E}">
         <p14:creationId xmlns:p14="http://schemas.microsoft.com/office/powerpoint/2010/main" val="109100692"/>
-      </p:ext>
-    </p:extLst>
-  </p:cSld>
-  <p:clrMapOvr>
-    <a:masterClrMapping/>
-  </p:clrMapOvr>
-</p:sld>
-</file>
-
-<file path=ppt/slides/slide2.xml><?xml version="1.0" encoding="utf-8"?>
-<p:sld xmlns:a="http://schemas.openxmlformats.org/drawingml/2006/main" xmlns:r="http://schemas.openxmlformats.org/officeDocument/2006/relationships" xmlns:p="http://schemas.openxmlformats.org/presentationml/2006/main">
-  <p:cSld>
-    <p:spTree>
-      <p:nvGrpSpPr>
-        <p:cNvPr id="1" name=""/>
-        <p:cNvGrpSpPr/>
-        <p:nvPr/>
-      </p:nvGrpSpPr>
-      <p:grpSpPr>
-        <a:xfrm>
-          <a:off x="0" y="0"/>
-          <a:ext cx="0" cy="0"/>
-          <a:chOff x="0" y="0"/>
-          <a:chExt cx="0" cy="0"/>
-        </a:xfrm>
-      </p:grpSpPr>
-      <p:sp>
-        <p:nvSpPr>
-          <p:cNvPr id="4" name="Title 3"/>
-          <p:cNvSpPr>
-            <a:spLocks noGrp="1"/>
-          </p:cNvSpPr>
-          <p:nvPr>
-            <p:ph type="title"/>
-          </p:nvPr>
-        </p:nvSpPr>
-        <p:spPr>
-          <a:xfrm>
-            <a:off x="0" y="0"/>
-            <a:ext cx="6541015" cy="725349"/>
-          </a:xfrm>
-        </p:spPr>
-        <p:txBody>
-          <a:bodyPr>
-            <a:normAutofit/>
-          </a:bodyPr>
-          <a:lstStyle/>
-          <a:p>
-            <a:r>
-              <a:rPr lang="en-US" dirty="0" err="1"/>
-              <a:t>Architettura</a:t>
-            </a:r>
-            <a:r>
-              <a:rPr lang="en-US" dirty="0"/>
-              <a:t> del Web Server</a:t>
-            </a:r>
-          </a:p>
-        </p:txBody>
-      </p:sp>
-      <p:sp>
-        <p:nvSpPr>
-          <p:cNvPr id="5" name="Content Placeholder 4"/>
-          <p:cNvSpPr>
-            <a:spLocks noGrp="1"/>
-          </p:cNvSpPr>
-          <p:nvPr>
-            <p:ph idx="1"/>
-          </p:nvPr>
-        </p:nvSpPr>
-        <p:spPr>
-          <a:xfrm>
-            <a:off x="0" y="725349"/>
-            <a:ext cx="7329488" cy="4418151"/>
-          </a:xfrm>
-        </p:spPr>
-        <p:txBody>
-          <a:bodyPr>
-            <a:normAutofit/>
-          </a:bodyPr>
-          <a:lstStyle/>
-          <a:p>
-            <a:pPr marL="0" indent="0">
-              <a:buNone/>
-            </a:pPr>
-            <a:r>
-              <a:rPr lang="en-US" sz="2000" dirty="0"/>
-              <a:t>Per la </a:t>
-            </a:r>
-            <a:r>
-              <a:rPr lang="en-US" sz="2000" dirty="0" err="1"/>
-              <a:t>gestione</a:t>
-            </a:r>
-            <a:r>
-              <a:rPr lang="en-US" sz="2000" dirty="0"/>
-              <a:t> </a:t>
-            </a:r>
-            <a:r>
-              <a:rPr lang="en-US" sz="2000" dirty="0" err="1"/>
-              <a:t>della</a:t>
-            </a:r>
-            <a:r>
-              <a:rPr lang="en-US" sz="2000" dirty="0"/>
-              <a:t> </a:t>
-            </a:r>
-            <a:r>
-              <a:rPr lang="en-US" sz="2000" dirty="0" err="1"/>
-              <a:t>concorrenza</a:t>
-            </a:r>
-            <a:r>
-              <a:rPr lang="en-US" sz="2000" dirty="0"/>
-              <a:t> </a:t>
-            </a:r>
-            <a:r>
-              <a:rPr lang="en-US" sz="2000" dirty="0" err="1"/>
-              <a:t>si</a:t>
-            </a:r>
-            <a:r>
-              <a:rPr lang="en-US" sz="2000" dirty="0"/>
-              <a:t> è </a:t>
-            </a:r>
-            <a:r>
-              <a:rPr lang="en-US" sz="2000" dirty="0" err="1"/>
-              <a:t>adottata</a:t>
-            </a:r>
-            <a:r>
-              <a:rPr lang="en-US" sz="2000" dirty="0"/>
-              <a:t> una </a:t>
-            </a:r>
-            <a:r>
-              <a:rPr lang="en-US" sz="2000" dirty="0" err="1"/>
-              <a:t>strategia</a:t>
-            </a:r>
-            <a:r>
-              <a:rPr lang="en-US" sz="2000" dirty="0"/>
-              <a:t> tale da </a:t>
-            </a:r>
-            <a:r>
-              <a:rPr lang="en-US" sz="2000" dirty="0" err="1"/>
-              <a:t>incorporare</a:t>
-            </a:r>
-            <a:r>
-              <a:rPr lang="en-US" sz="2000" dirty="0"/>
-              <a:t> I </a:t>
-            </a:r>
-            <a:r>
-              <a:rPr lang="en-US" sz="2000" dirty="0" err="1"/>
-              <a:t>vantaggi</a:t>
-            </a:r>
-            <a:r>
-              <a:rPr lang="en-US" sz="2000" dirty="0"/>
-              <a:t> </a:t>
-            </a:r>
-            <a:r>
-              <a:rPr lang="en-US" sz="2000" dirty="0" err="1"/>
-              <a:t>offerti</a:t>
-            </a:r>
-            <a:r>
-              <a:rPr lang="en-US" sz="2000" dirty="0"/>
-              <a:t> da un </a:t>
-            </a:r>
-            <a:r>
-              <a:rPr lang="en-US" sz="2000" dirty="0" err="1"/>
-              <a:t>architettura</a:t>
-            </a:r>
-            <a:r>
-              <a:rPr lang="en-US" sz="2000" dirty="0"/>
-              <a:t> multi-</a:t>
-            </a:r>
-            <a:r>
-              <a:rPr lang="en-US" sz="2000" dirty="0" err="1"/>
-              <a:t>processo</a:t>
-            </a:r>
-            <a:r>
-              <a:rPr lang="en-US" sz="2000" dirty="0"/>
-              <a:t> ed una </a:t>
-            </a:r>
-            <a:r>
-              <a:rPr lang="en-US" sz="2000" dirty="0" err="1"/>
-              <a:t>basata</a:t>
-            </a:r>
-            <a:r>
-              <a:rPr lang="en-US" sz="2000" dirty="0"/>
-              <a:t> </a:t>
-            </a:r>
-            <a:r>
-              <a:rPr lang="en-US" sz="2000" dirty="0" err="1"/>
-              <a:t>su</a:t>
-            </a:r>
-            <a:r>
-              <a:rPr lang="en-US" sz="2000" dirty="0"/>
-              <a:t> </a:t>
-            </a:r>
-            <a:r>
-              <a:rPr lang="en-US" sz="2000" dirty="0" err="1"/>
-              <a:t>eventi</a:t>
-            </a:r>
-            <a:r>
-              <a:rPr lang="en-US" sz="2000" dirty="0"/>
-              <a:t>.</a:t>
-            </a:r>
-          </a:p>
-          <a:p>
-            <a:pPr marL="0" indent="0">
-              <a:buNone/>
-            </a:pPr>
-            <a:r>
-              <a:rPr lang="en-US" sz="2000" dirty="0"/>
-              <a:t>Exodus </a:t>
-            </a:r>
-            <a:r>
-              <a:rPr lang="en-US" sz="2000" dirty="0" err="1"/>
-              <a:t>effettua</a:t>
-            </a:r>
-            <a:r>
-              <a:rPr lang="en-US" sz="2000" dirty="0"/>
-              <a:t> </a:t>
-            </a:r>
-            <a:r>
-              <a:rPr lang="en-US" sz="2000" dirty="0" err="1"/>
-              <a:t>preforking</a:t>
-            </a:r>
-            <a:r>
-              <a:rPr lang="en-US" sz="2000" dirty="0"/>
-              <a:t> </a:t>
-            </a:r>
-            <a:r>
-              <a:rPr lang="en-US" sz="2000" dirty="0" err="1"/>
-              <a:t>dinamico</a:t>
-            </a:r>
-            <a:r>
-              <a:rPr lang="en-US" sz="2000" dirty="0"/>
-              <a:t>, in cui </a:t>
-            </a:r>
-            <a:r>
-              <a:rPr lang="en-US" sz="2000" dirty="0" err="1"/>
-              <a:t>ogni</a:t>
-            </a:r>
-            <a:r>
-              <a:rPr lang="en-US" sz="2000" dirty="0"/>
-              <a:t> </a:t>
-            </a:r>
-            <a:r>
-              <a:rPr lang="en-US" sz="2000" dirty="0" err="1"/>
-              <a:t>processo</a:t>
-            </a:r>
-            <a:r>
-              <a:rPr lang="en-US" sz="2000" dirty="0"/>
-              <a:t> </a:t>
-            </a:r>
-            <a:r>
-              <a:rPr lang="en-US" sz="2000" dirty="0" err="1"/>
-              <a:t>generato</a:t>
-            </a:r>
-            <a:r>
-              <a:rPr lang="en-US" sz="2000" dirty="0"/>
-              <a:t> è una ‘</a:t>
-            </a:r>
-            <a:r>
-              <a:rPr lang="en-US" sz="2000" dirty="0" err="1"/>
-              <a:t>diramazione</a:t>
-            </a:r>
-            <a:r>
-              <a:rPr lang="en-US" sz="2000" dirty="0"/>
-              <a:t>’ del Web Server ed è </a:t>
-            </a:r>
-            <a:r>
-              <a:rPr lang="en-US" sz="2000" dirty="0" err="1"/>
-              <a:t>basata</a:t>
-            </a:r>
-            <a:r>
-              <a:rPr lang="en-US" sz="2000" dirty="0"/>
-              <a:t> </a:t>
-            </a:r>
-            <a:r>
-              <a:rPr lang="en-US" sz="2000" dirty="0" err="1"/>
-              <a:t>su</a:t>
-            </a:r>
-            <a:r>
-              <a:rPr lang="en-US" sz="2000" dirty="0"/>
-              <a:t> </a:t>
-            </a:r>
-            <a:r>
-              <a:rPr lang="en-US" sz="2000" dirty="0" err="1"/>
-              <a:t>eventi</a:t>
-            </a:r>
-            <a:r>
-              <a:rPr lang="en-US" sz="2000" dirty="0"/>
-              <a:t>.</a:t>
-            </a:r>
-          </a:p>
-          <a:p>
-            <a:pPr marL="0" indent="0">
-              <a:buNone/>
-            </a:pPr>
-            <a:r>
-              <a:rPr lang="en-US" sz="2000" dirty="0" err="1"/>
-              <a:t>L’obbiettivo</a:t>
-            </a:r>
-            <a:r>
-              <a:rPr lang="en-US" sz="2000" dirty="0"/>
-              <a:t> è </a:t>
-            </a:r>
-            <a:r>
-              <a:rPr lang="en-US" sz="2000" dirty="0" err="1"/>
-              <a:t>quello</a:t>
-            </a:r>
-            <a:r>
-              <a:rPr lang="en-US" sz="2000" dirty="0"/>
-              <a:t> di </a:t>
-            </a:r>
-            <a:r>
-              <a:rPr lang="en-US" sz="2000" dirty="0" err="1"/>
-              <a:t>inglobare</a:t>
-            </a:r>
-            <a:r>
-              <a:rPr lang="en-US" sz="2000" dirty="0"/>
-              <a:t> la </a:t>
-            </a:r>
-            <a:r>
-              <a:rPr lang="en-US" sz="2000" dirty="0" err="1"/>
-              <a:t>velocità</a:t>
-            </a:r>
-            <a:r>
-              <a:rPr lang="en-US" sz="2000" dirty="0"/>
-              <a:t> </a:t>
-            </a:r>
-            <a:r>
-              <a:rPr lang="en-US" sz="2000" dirty="0" err="1"/>
-              <a:t>offerta</a:t>
-            </a:r>
-            <a:r>
-              <a:rPr lang="en-US" sz="2000" dirty="0"/>
-              <a:t> da un </a:t>
-            </a:r>
-            <a:r>
-              <a:rPr lang="en-US" sz="2000" dirty="0" err="1"/>
-              <a:t>approccio</a:t>
-            </a:r>
-            <a:r>
-              <a:rPr lang="en-US" sz="2000" dirty="0"/>
-              <a:t> </a:t>
-            </a:r>
-            <a:r>
-              <a:rPr lang="en-US" sz="2000" dirty="0" err="1"/>
-              <a:t>basato</a:t>
-            </a:r>
-            <a:r>
-              <a:rPr lang="en-US" sz="2000" dirty="0"/>
-              <a:t> </a:t>
-            </a:r>
-            <a:r>
-              <a:rPr lang="en-US" sz="2000" dirty="0" err="1"/>
-              <a:t>su</a:t>
-            </a:r>
-            <a:r>
-              <a:rPr lang="en-US" sz="2000" dirty="0"/>
-              <a:t> </a:t>
-            </a:r>
-            <a:r>
-              <a:rPr lang="en-US" sz="2000" dirty="0" err="1"/>
-              <a:t>eventi</a:t>
-            </a:r>
-            <a:r>
-              <a:rPr lang="en-US" sz="2000" dirty="0"/>
-              <a:t> ed </a:t>
-            </a:r>
-            <a:r>
-              <a:rPr lang="en-US" sz="2000" dirty="0" err="1"/>
-              <a:t>eliminarne</a:t>
-            </a:r>
-            <a:r>
-              <a:rPr lang="en-US" sz="2000" dirty="0"/>
-              <a:t> </a:t>
-            </a:r>
-            <a:r>
-              <a:rPr lang="en-US" sz="2000" dirty="0" err="1"/>
-              <a:t>gli</a:t>
-            </a:r>
-            <a:r>
-              <a:rPr lang="en-US" sz="2000" dirty="0"/>
-              <a:t> </a:t>
-            </a:r>
-            <a:r>
-              <a:rPr lang="en-US" sz="2000" dirty="0" err="1"/>
-              <a:t>svantaggi</a:t>
-            </a:r>
-            <a:r>
-              <a:rPr lang="en-US" sz="2000" dirty="0"/>
-              <a:t>. Con </a:t>
-            </a:r>
-            <a:r>
-              <a:rPr lang="en-US" sz="2000" dirty="0" err="1"/>
-              <a:t>l’ausilio</a:t>
-            </a:r>
-            <a:r>
-              <a:rPr lang="en-US" sz="2000" dirty="0"/>
-              <a:t> di </a:t>
-            </a:r>
-            <a:r>
-              <a:rPr lang="en-US" sz="2000" dirty="0" err="1"/>
-              <a:t>più</a:t>
-            </a:r>
-            <a:r>
-              <a:rPr lang="en-US" sz="2000" dirty="0"/>
-              <a:t> ‘</a:t>
-            </a:r>
-            <a:r>
-              <a:rPr lang="en-US" sz="2000" dirty="0" err="1"/>
-              <a:t>diramazioni</a:t>
-            </a:r>
-            <a:r>
-              <a:rPr lang="en-US" sz="2000" dirty="0"/>
-              <a:t>’ </a:t>
-            </a:r>
-            <a:r>
-              <a:rPr lang="en-US" sz="2000" dirty="0" err="1"/>
-              <a:t>il</a:t>
-            </a:r>
-            <a:r>
-              <a:rPr lang="en-US" sz="2000" dirty="0"/>
-              <a:t> server è </a:t>
-            </a:r>
-            <a:r>
-              <a:rPr lang="en-US" sz="2000" dirty="0" err="1"/>
-              <a:t>più</a:t>
-            </a:r>
-            <a:r>
-              <a:rPr lang="en-US" sz="2000" dirty="0"/>
-              <a:t> </a:t>
-            </a:r>
-            <a:r>
-              <a:rPr lang="en-US" sz="2000" dirty="0" err="1"/>
-              <a:t>robusto</a:t>
-            </a:r>
-            <a:r>
-              <a:rPr lang="en-US" sz="2000" dirty="0"/>
-              <a:t> e non </a:t>
-            </a:r>
-            <a:r>
-              <a:rPr lang="en-US" sz="2000" dirty="0" err="1"/>
-              <a:t>impone</a:t>
-            </a:r>
-            <a:r>
-              <a:rPr lang="en-US" sz="2000" dirty="0"/>
-              <a:t> </a:t>
-            </a:r>
-            <a:r>
-              <a:rPr lang="en-US" sz="2000" dirty="0" err="1"/>
-              <a:t>limiti</a:t>
-            </a:r>
-            <a:r>
-              <a:rPr lang="en-US" sz="2000" dirty="0"/>
-              <a:t> </a:t>
-            </a:r>
-            <a:r>
-              <a:rPr lang="en-US" sz="2000" dirty="0" err="1"/>
-              <a:t>sul</a:t>
-            </a:r>
-            <a:r>
-              <a:rPr lang="en-US" sz="2000" dirty="0"/>
-              <a:t> </a:t>
-            </a:r>
-            <a:r>
-              <a:rPr lang="en-US" sz="2000" dirty="0" err="1"/>
-              <a:t>numero</a:t>
-            </a:r>
-            <a:r>
-              <a:rPr lang="en-US" sz="2000" dirty="0"/>
-              <a:t> </a:t>
-            </a:r>
-            <a:r>
-              <a:rPr lang="en-US" sz="2000" dirty="0" err="1"/>
-              <a:t>dei</a:t>
-            </a:r>
-            <a:r>
-              <a:rPr lang="en-US" sz="2000" dirty="0"/>
-              <a:t> client </a:t>
-            </a:r>
-            <a:r>
-              <a:rPr lang="en-US" sz="2000" dirty="0" err="1"/>
-              <a:t>connessi</a:t>
-            </a:r>
-            <a:r>
-              <a:rPr lang="en-US" sz="2000" dirty="0"/>
-              <a:t>: la failure di una di </a:t>
-            </a:r>
-            <a:r>
-              <a:rPr lang="en-US" sz="2000" dirty="0" err="1"/>
-              <a:t>esse</a:t>
-            </a:r>
-            <a:r>
-              <a:rPr lang="en-US" sz="2000" dirty="0"/>
-              <a:t> non fa </a:t>
-            </a:r>
-            <a:r>
-              <a:rPr lang="en-US" sz="2000" dirty="0" err="1"/>
-              <a:t>fermare</a:t>
-            </a:r>
-            <a:r>
-              <a:rPr lang="en-US" sz="2000" dirty="0"/>
-              <a:t> </a:t>
-            </a:r>
-            <a:r>
-              <a:rPr lang="en-US" sz="2000" dirty="0" err="1"/>
-              <a:t>l’intero</a:t>
-            </a:r>
-            <a:r>
-              <a:rPr lang="en-US" sz="2000" dirty="0"/>
-              <a:t> server, ed </a:t>
-            </a:r>
-            <a:r>
-              <a:rPr lang="en-US" sz="2000" dirty="0" err="1"/>
-              <a:t>inoltre</a:t>
-            </a:r>
-            <a:r>
-              <a:rPr lang="en-US" sz="2000" dirty="0"/>
-              <a:t> </a:t>
-            </a:r>
-            <a:r>
-              <a:rPr lang="en-US" sz="2000" dirty="0" err="1"/>
-              <a:t>il</a:t>
-            </a:r>
-            <a:r>
-              <a:rPr lang="en-US" sz="2000" dirty="0"/>
-              <a:t> </a:t>
-            </a:r>
-            <a:r>
-              <a:rPr lang="en-US" sz="2000" dirty="0" err="1"/>
-              <a:t>numero</a:t>
-            </a:r>
-            <a:r>
-              <a:rPr lang="en-US" sz="2000" dirty="0"/>
-              <a:t> </a:t>
-            </a:r>
-            <a:r>
-              <a:rPr lang="en-US" sz="2000" dirty="0" err="1"/>
-              <a:t>massimo</a:t>
-            </a:r>
-            <a:r>
-              <a:rPr lang="en-US" sz="2000" dirty="0"/>
-              <a:t> di file descriptor (e </a:t>
-            </a:r>
-            <a:r>
-              <a:rPr lang="en-US" sz="2000" dirty="0" err="1"/>
-              <a:t>quindi</a:t>
-            </a:r>
-            <a:r>
-              <a:rPr lang="en-US" sz="2000" dirty="0"/>
-              <a:t> di client) </a:t>
-            </a:r>
-            <a:r>
-              <a:rPr lang="en-US" sz="2000" dirty="0" err="1"/>
-              <a:t>gestiti</a:t>
-            </a:r>
-            <a:r>
-              <a:rPr lang="en-US" sz="2000" dirty="0"/>
-              <a:t> da una </a:t>
-            </a:r>
-            <a:r>
-              <a:rPr lang="en-US" sz="2000" dirty="0" err="1"/>
-              <a:t>singola</a:t>
-            </a:r>
-            <a:r>
-              <a:rPr lang="en-US" sz="2000" dirty="0"/>
-              <a:t> </a:t>
-            </a:r>
-            <a:r>
-              <a:rPr lang="en-US" sz="2000" dirty="0" err="1"/>
-              <a:t>diramazione</a:t>
-            </a:r>
-            <a:r>
-              <a:rPr lang="en-US" sz="2000" dirty="0"/>
-              <a:t> non </a:t>
-            </a:r>
-            <a:r>
-              <a:rPr lang="en-US" sz="2000" dirty="0" err="1"/>
-              <a:t>comporta</a:t>
-            </a:r>
-            <a:r>
-              <a:rPr lang="en-US" sz="2000" dirty="0"/>
-              <a:t> un </a:t>
-            </a:r>
-            <a:r>
-              <a:rPr lang="en-US" sz="2000" dirty="0" err="1"/>
-              <a:t>limite</a:t>
-            </a:r>
-            <a:r>
-              <a:rPr lang="en-US" sz="2000" dirty="0"/>
-              <a:t> per </a:t>
-            </a:r>
-            <a:r>
-              <a:rPr lang="en-US" sz="2000" dirty="0" err="1"/>
-              <a:t>l’intero</a:t>
-            </a:r>
-            <a:r>
-              <a:rPr lang="en-US" sz="2000" dirty="0"/>
-              <a:t> Server Web.</a:t>
-            </a:r>
-          </a:p>
-        </p:txBody>
-      </p:sp>
-    </p:spTree>
-    <p:extLst>
-      <p:ext uri="{BB962C8B-B14F-4D97-AF65-F5344CB8AC3E}">
-        <p14:creationId xmlns:p14="http://schemas.microsoft.com/office/powerpoint/2010/main" val="1045482559"/>
       </p:ext>
     </p:extLst>
   </p:cSld>
@@ -13787,36 +15501,6 @@
       </p:grpSpPr>
       <p:sp>
         <p:nvSpPr>
-          <p:cNvPr id="4" name="Title 3"/>
-          <p:cNvSpPr>
-            <a:spLocks noGrp="1"/>
-          </p:cNvSpPr>
-          <p:nvPr>
-            <p:ph type="title"/>
-          </p:nvPr>
-        </p:nvSpPr>
-        <p:spPr>
-          <a:xfrm>
-            <a:off x="0" y="0"/>
-            <a:ext cx="6541015" cy="725349"/>
-          </a:xfrm>
-        </p:spPr>
-        <p:txBody>
-          <a:bodyPr>
-            <a:normAutofit/>
-          </a:bodyPr>
-          <a:lstStyle/>
-          <a:p>
-            <a:r>
-              <a:rPr lang="en-US" dirty="0" err="1"/>
-              <a:t>ServerBranchesHandler</a:t>
-            </a:r>
-            <a:endParaRPr lang="en-US" dirty="0"/>
-          </a:p>
-        </p:txBody>
-      </p:sp>
-      <p:sp>
-        <p:nvSpPr>
           <p:cNvPr id="5" name="Content Placeholder 4"/>
           <p:cNvSpPr>
             <a:spLocks noGrp="1"/>
@@ -13827,13 +15511,13 @@
         </p:nvSpPr>
         <p:spPr>
           <a:xfrm>
-            <a:off x="0" y="725349"/>
-            <a:ext cx="7329488" cy="4418151"/>
+            <a:off x="0" y="121445"/>
+            <a:ext cx="7329488" cy="5022056"/>
           </a:xfrm>
         </p:spPr>
         <p:txBody>
           <a:bodyPr>
-            <a:normAutofit fontScale="92500" lnSpcReduction="10000"/>
+            <a:normAutofit lnSpcReduction="10000"/>
           </a:bodyPr>
           <a:lstStyle/>
           <a:p>
@@ -14617,36 +16301,6 @@
       </p:grpSpPr>
       <p:sp>
         <p:nvSpPr>
-          <p:cNvPr id="4" name="Title 3"/>
-          <p:cNvSpPr>
-            <a:spLocks noGrp="1"/>
-          </p:cNvSpPr>
-          <p:nvPr>
-            <p:ph type="title"/>
-          </p:nvPr>
-        </p:nvSpPr>
-        <p:spPr>
-          <a:xfrm>
-            <a:off x="0" y="0"/>
-            <a:ext cx="6541015" cy="725349"/>
-          </a:xfrm>
-        </p:spPr>
-        <p:txBody>
-          <a:bodyPr>
-            <a:normAutofit/>
-          </a:bodyPr>
-          <a:lstStyle/>
-          <a:p>
-            <a:r>
-              <a:rPr lang="en-US" dirty="0" err="1"/>
-              <a:t>ServerBranchesHandler</a:t>
-            </a:r>
-            <a:endParaRPr lang="en-US" dirty="0"/>
-          </a:p>
-        </p:txBody>
-      </p:sp>
-      <p:sp>
-        <p:nvSpPr>
           <p:cNvPr id="5" name="Content Placeholder 4"/>
           <p:cNvSpPr>
             <a:spLocks noGrp="1"/>
@@ -14657,7 +16311,7 @@
         </p:nvSpPr>
         <p:spPr>
           <a:xfrm>
-            <a:off x="571500" y="2004255"/>
+            <a:off x="614362" y="1768511"/>
             <a:ext cx="1092994" cy="367645"/>
           </a:xfrm>
         </p:spPr>
@@ -14693,7 +16347,7 @@
         </p:nvCxnSpPr>
         <p:spPr>
           <a:xfrm flipV="1">
-            <a:off x="1443038" y="2188076"/>
+            <a:off x="1485900" y="1952332"/>
             <a:ext cx="571500" cy="1"/>
           </a:xfrm>
           <a:prstGeom prst="bentConnector3">
@@ -14732,7 +16386,7 @@
         </p:nvSpPr>
         <p:spPr>
           <a:xfrm>
-            <a:off x="2071688" y="2053096"/>
+            <a:off x="2114550" y="1817352"/>
             <a:ext cx="1457325" cy="267613"/>
           </a:xfrm>
           <a:prstGeom prst="rect">
@@ -14793,7 +16447,7 @@
         </p:nvSpPr>
         <p:spPr>
           <a:xfrm>
-            <a:off x="3671889" y="2668419"/>
+            <a:off x="3714751" y="2432675"/>
             <a:ext cx="657225" cy="267613"/>
           </a:xfrm>
           <a:prstGeom prst="rect">
@@ -14854,7 +16508,7 @@
         </p:nvSpPr>
         <p:spPr>
           <a:xfrm>
-            <a:off x="4329114" y="2668418"/>
+            <a:off x="4371976" y="2432674"/>
             <a:ext cx="657225" cy="267613"/>
           </a:xfrm>
           <a:prstGeom prst="rect">
@@ -14915,7 +16569,7 @@
         </p:nvSpPr>
         <p:spPr>
           <a:xfrm>
-            <a:off x="4986339" y="2668418"/>
+            <a:off x="5029201" y="2432674"/>
             <a:ext cx="657225" cy="267613"/>
           </a:xfrm>
           <a:prstGeom prst="rect">
@@ -14976,7 +16630,7 @@
         </p:nvSpPr>
         <p:spPr>
           <a:xfrm>
-            <a:off x="5643564" y="2668417"/>
+            <a:off x="5686426" y="2432673"/>
             <a:ext cx="657225" cy="267613"/>
           </a:xfrm>
           <a:prstGeom prst="rect">
@@ -15039,7 +16693,7 @@
         </p:nvSpPr>
         <p:spPr>
           <a:xfrm>
-            <a:off x="2003822" y="2329229"/>
+            <a:off x="2046684" y="2093485"/>
             <a:ext cx="1092994" cy="367645"/>
           </a:xfrm>
           <a:prstGeom prst="rect">
@@ -15216,7 +16870,7 @@
         </p:nvSpPr>
         <p:spPr>
           <a:xfrm>
-            <a:off x="3546872" y="2959171"/>
+            <a:off x="3589734" y="2723427"/>
             <a:ext cx="2096692" cy="367645"/>
           </a:xfrm>
           <a:prstGeom prst="rect">
@@ -15394,7 +17048,7 @@
         </p:nvCxnSpPr>
         <p:spPr>
           <a:xfrm rot="16200000" flipH="1">
-            <a:off x="2117273" y="1372623"/>
+            <a:off x="2160135" y="1136879"/>
             <a:ext cx="430323" cy="2428875"/>
           </a:xfrm>
           <a:prstGeom prst="bentConnector2">
@@ -15435,7 +17089,7 @@
         </p:nvSpPr>
         <p:spPr>
           <a:xfrm>
-            <a:off x="3454003" y="941005"/>
+            <a:off x="3496865" y="705261"/>
             <a:ext cx="1092994" cy="367645"/>
           </a:xfrm>
           <a:prstGeom prst="rect">
@@ -15611,7 +17265,7 @@
         </p:nvSpPr>
         <p:spPr>
           <a:xfrm>
-            <a:off x="4282681" y="725349"/>
+            <a:off x="4325543" y="489605"/>
             <a:ext cx="1092994" cy="367645"/>
           </a:xfrm>
           <a:prstGeom prst="rect">
@@ -15789,7 +17443,7 @@
         </p:nvCxnSpPr>
         <p:spPr>
           <a:xfrm rot="10800000" flipV="1">
-            <a:off x="2071689" y="1124827"/>
+            <a:off x="2114551" y="889083"/>
             <a:ext cx="1382315" cy="1062075"/>
           </a:xfrm>
           <a:prstGeom prst="bentConnector3">
@@ -15833,7 +17487,7 @@
         </p:nvCxnSpPr>
         <p:spPr>
           <a:xfrm rot="10800000" flipV="1">
-            <a:off x="2071688" y="901979"/>
+            <a:off x="2114550" y="666235"/>
             <a:ext cx="2071688" cy="1284924"/>
           </a:xfrm>
           <a:prstGeom prst="bentConnector3">
@@ -15878,7 +17532,7 @@
         </p:nvCxnSpPr>
         <p:spPr>
           <a:xfrm rot="16200000" flipH="1">
-            <a:off x="3320617" y="1988533"/>
+            <a:off x="3363479" y="1752789"/>
             <a:ext cx="1359769" cy="2"/>
           </a:xfrm>
           <a:prstGeom prst="bentConnector3">
@@ -15919,7 +17573,7 @@
         </p:nvCxnSpPr>
         <p:spPr>
           <a:xfrm>
-            <a:off x="4793457" y="1197011"/>
+            <a:off x="4836319" y="961267"/>
             <a:ext cx="0" cy="1471406"/>
           </a:xfrm>
           <a:prstGeom prst="straightConnector1">
@@ -15944,76 +17598,6 @@
           </a:fontRef>
         </p:style>
       </p:cxnSp>
-      <p:pic>
-        <p:nvPicPr>
-          <p:cNvPr id="54" name="Immagine 53">
-            <a:extLst>
-              <a:ext uri="{FF2B5EF4-FFF2-40B4-BE49-F238E27FC236}">
-                <a16:creationId xmlns:a16="http://schemas.microsoft.com/office/drawing/2014/main" id="{8F92DC89-D8F8-4504-95F5-8963A05F0844}"/>
-              </a:ext>
-            </a:extLst>
-          </p:cNvPr>
-          <p:cNvPicPr>
-            <a:picLocks noChangeAspect="1"/>
-          </p:cNvPicPr>
-          <p:nvPr/>
-        </p:nvPicPr>
-        <p:blipFill rotWithShape="1">
-          <a:blip r:embed="rId2">
-            <a:extLst>
-              <a:ext uri="{28A0092B-C50C-407E-A947-70E740481C1C}">
-                <a14:useLocalDpi xmlns:a14="http://schemas.microsoft.com/office/drawing/2010/main" val="0"/>
-              </a:ext>
-            </a:extLst>
-          </a:blip>
-          <a:srcRect l="273" r="-273" b="51189"/>
-          <a:stretch/>
-        </p:blipFill>
-        <p:spPr>
-          <a:xfrm>
-            <a:off x="353740" y="3442811"/>
-            <a:ext cx="2621507" cy="1368858"/>
-          </a:xfrm>
-          <a:prstGeom prst="rect">
-            <a:avLst/>
-          </a:prstGeom>
-        </p:spPr>
-      </p:pic>
-      <p:pic>
-        <p:nvPicPr>
-          <p:cNvPr id="55" name="Immagine 54">
-            <a:extLst>
-              <a:ext uri="{FF2B5EF4-FFF2-40B4-BE49-F238E27FC236}">
-                <a16:creationId xmlns:a16="http://schemas.microsoft.com/office/drawing/2014/main" id="{D7A2C8D0-46EF-4ACE-B85A-DFEC725962EA}"/>
-              </a:ext>
-            </a:extLst>
-          </p:cNvPr>
-          <p:cNvPicPr>
-            <a:picLocks noChangeAspect="1"/>
-          </p:cNvPicPr>
-          <p:nvPr/>
-        </p:nvPicPr>
-        <p:blipFill rotWithShape="1">
-          <a:blip r:embed="rId2">
-            <a:extLst>
-              <a:ext uri="{28A0092B-C50C-407E-A947-70E740481C1C}">
-                <a14:useLocalDpi xmlns:a14="http://schemas.microsoft.com/office/drawing/2010/main" val="0"/>
-              </a:ext>
-            </a:extLst>
-          </a:blip>
-          <a:srcRect t="51189"/>
-          <a:stretch/>
-        </p:blipFill>
-        <p:spPr>
-          <a:xfrm>
-            <a:off x="3600576" y="3326816"/>
-            <a:ext cx="2621507" cy="1368858"/>
-          </a:xfrm>
-          <a:prstGeom prst="rect">
-            <a:avLst/>
-          </a:prstGeom>
-        </p:spPr>
-      </p:pic>
       <p:cxnSp>
         <p:nvCxnSpPr>
           <p:cNvPr id="58" name="Connettore curvo 57">
@@ -16025,13 +17609,12 @@
           </p:cNvPr>
           <p:cNvCxnSpPr>
             <a:cxnSpLocks/>
-            <a:stCxn id="54" idx="0"/>
           </p:cNvCxnSpPr>
           <p:nvPr/>
         </p:nvCxnSpPr>
         <p:spPr>
           <a:xfrm rot="5400000" flipH="1" flipV="1">
-            <a:off x="1457564" y="2778681"/>
+            <a:off x="1500426" y="2542937"/>
             <a:ext cx="871061" cy="457200"/>
           </a:xfrm>
           <a:prstGeom prst="curvedConnector3">
@@ -16075,7 +17658,7 @@
         </p:nvCxnSpPr>
         <p:spPr>
           <a:xfrm rot="16200000" flipV="1">
-            <a:off x="3362794" y="3327073"/>
+            <a:off x="3405656" y="3091329"/>
             <a:ext cx="493175" cy="125017"/>
           </a:xfrm>
           <a:prstGeom prst="curvedConnector4">
@@ -16103,6 +17686,76 @@
           </a:fontRef>
         </p:style>
       </p:cxnSp>
+      <p:pic>
+        <p:nvPicPr>
+          <p:cNvPr id="15" name="Immagine 14">
+            <a:extLst>
+              <a:ext uri="{FF2B5EF4-FFF2-40B4-BE49-F238E27FC236}">
+                <a16:creationId xmlns:a16="http://schemas.microsoft.com/office/drawing/2014/main" id="{E3AAC151-F591-4817-8AFC-CC151A78FC00}"/>
+              </a:ext>
+            </a:extLst>
+          </p:cNvPr>
+          <p:cNvPicPr>
+            <a:picLocks noChangeAspect="1"/>
+          </p:cNvPicPr>
+          <p:nvPr/>
+        </p:nvPicPr>
+        <p:blipFill rotWithShape="1">
+          <a:blip r:embed="rId2">
+            <a:extLst>
+              <a:ext uri="{28A0092B-C50C-407E-A947-70E740481C1C}">
+                <a14:useLocalDpi xmlns:a14="http://schemas.microsoft.com/office/drawing/2010/main" val="0"/>
+              </a:ext>
+            </a:extLst>
+          </a:blip>
+          <a:srcRect b="40359"/>
+          <a:stretch/>
+        </p:blipFill>
+        <p:spPr>
+          <a:xfrm>
+            <a:off x="541141" y="3201483"/>
+            <a:ext cx="2668190" cy="1899192"/>
+          </a:xfrm>
+          <a:prstGeom prst="rect">
+            <a:avLst/>
+          </a:prstGeom>
+        </p:spPr>
+      </p:pic>
+      <p:pic>
+        <p:nvPicPr>
+          <p:cNvPr id="27" name="Immagine 26">
+            <a:extLst>
+              <a:ext uri="{FF2B5EF4-FFF2-40B4-BE49-F238E27FC236}">
+                <a16:creationId xmlns:a16="http://schemas.microsoft.com/office/drawing/2014/main" id="{7156E66D-B60E-472B-B7EE-B23854CC8405}"/>
+              </a:ext>
+            </a:extLst>
+          </p:cNvPr>
+          <p:cNvPicPr>
+            <a:picLocks noChangeAspect="1"/>
+          </p:cNvPicPr>
+          <p:nvPr/>
+        </p:nvPicPr>
+        <p:blipFill rotWithShape="1">
+          <a:blip r:embed="rId2">
+            <a:extLst>
+              <a:ext uri="{28A0092B-C50C-407E-A947-70E740481C1C}">
+                <a14:useLocalDpi xmlns:a14="http://schemas.microsoft.com/office/drawing/2010/main" val="0"/>
+              </a:ext>
+            </a:extLst>
+          </a:blip>
+          <a:srcRect t="59740"/>
+          <a:stretch/>
+        </p:blipFill>
+        <p:spPr>
+          <a:xfrm>
+            <a:off x="3714751" y="3181802"/>
+            <a:ext cx="3033023" cy="1457325"/>
+          </a:xfrm>
+          <a:prstGeom prst="rect">
+            <a:avLst/>
+          </a:prstGeom>
+        </p:spPr>
+      </p:pic>
     </p:spTree>
     <p:extLst>
       <p:ext uri="{BB962C8B-B14F-4D97-AF65-F5344CB8AC3E}">
@@ -16135,36 +17788,6 @@
       </p:grpSpPr>
       <p:sp>
         <p:nvSpPr>
-          <p:cNvPr id="4" name="Title 3"/>
-          <p:cNvSpPr>
-            <a:spLocks noGrp="1"/>
-          </p:cNvSpPr>
-          <p:nvPr>
-            <p:ph type="title"/>
-          </p:nvPr>
-        </p:nvSpPr>
-        <p:spPr>
-          <a:xfrm>
-            <a:off x="0" y="0"/>
-            <a:ext cx="6541015" cy="725349"/>
-          </a:xfrm>
-        </p:spPr>
-        <p:txBody>
-          <a:bodyPr>
-            <a:normAutofit/>
-          </a:bodyPr>
-          <a:lstStyle/>
-          <a:p>
-            <a:r>
-              <a:rPr lang="en-US" dirty="0" err="1"/>
-              <a:t>ServerBranchesHandler</a:t>
-            </a:r>
-            <a:endParaRPr lang="en-US" dirty="0"/>
-          </a:p>
-        </p:txBody>
-      </p:sp>
-      <p:sp>
-        <p:nvSpPr>
           <p:cNvPr id="5" name="Content Placeholder 4"/>
           <p:cNvSpPr>
             <a:spLocks noGrp="1"/>
@@ -16175,13 +17798,13 @@
         </p:nvSpPr>
         <p:spPr>
           <a:xfrm>
-            <a:off x="0" y="725349"/>
-            <a:ext cx="7329488" cy="4418151"/>
+            <a:off x="0" y="228601"/>
+            <a:ext cx="7329488" cy="4914900"/>
           </a:xfrm>
         </p:spPr>
         <p:txBody>
           <a:bodyPr>
-            <a:normAutofit fontScale="92500" lnSpcReduction="10000"/>
+            <a:normAutofit/>
           </a:bodyPr>
           <a:lstStyle/>
           <a:p>
@@ -17071,36 +18694,6 @@
       </p:grpSpPr>
       <p:sp>
         <p:nvSpPr>
-          <p:cNvPr id="4" name="Title 3"/>
-          <p:cNvSpPr>
-            <a:spLocks noGrp="1"/>
-          </p:cNvSpPr>
-          <p:nvPr>
-            <p:ph type="title"/>
-          </p:nvPr>
-        </p:nvSpPr>
-        <p:spPr>
-          <a:xfrm>
-            <a:off x="0" y="0"/>
-            <a:ext cx="6541015" cy="725349"/>
-          </a:xfrm>
-        </p:spPr>
-        <p:txBody>
-          <a:bodyPr>
-            <a:normAutofit/>
-          </a:bodyPr>
-          <a:lstStyle/>
-          <a:p>
-            <a:r>
-              <a:rPr lang="en-US" dirty="0" err="1"/>
-              <a:t>ServerBranchesHandler</a:t>
-            </a:r>
-            <a:endParaRPr lang="en-US" dirty="0"/>
-          </a:p>
-        </p:txBody>
-      </p:sp>
-      <p:sp>
-        <p:nvSpPr>
           <p:cNvPr id="5" name="Content Placeholder 4"/>
           <p:cNvSpPr>
             <a:spLocks noGrp="1"/>
@@ -17111,7 +18704,7 @@
         </p:nvSpPr>
         <p:spPr>
           <a:xfrm>
-            <a:off x="4639866" y="316747"/>
+            <a:off x="4352925" y="173282"/>
             <a:ext cx="1478756" cy="890508"/>
           </a:xfrm>
         </p:spPr>
@@ -17178,7 +18771,7 @@
         </p:nvSpPr>
         <p:spPr>
           <a:xfrm>
-            <a:off x="6022181" y="311012"/>
+            <a:off x="5735240" y="167547"/>
             <a:ext cx="192881" cy="978694"/>
           </a:xfrm>
           <a:prstGeom prst="rect">
@@ -17234,7 +18827,7 @@
         </p:nvSpPr>
         <p:spPr>
           <a:xfrm>
-            <a:off x="5984079" y="1268219"/>
+            <a:off x="5688457" y="1118376"/>
             <a:ext cx="461963" cy="367645"/>
           </a:xfrm>
           <a:prstGeom prst="rect">
@@ -17410,7 +19003,7 @@
         </p:nvCxnSpPr>
         <p:spPr>
           <a:xfrm>
-            <a:off x="6118622" y="311012"/>
+            <a:off x="5831681" y="167547"/>
             <a:ext cx="353616" cy="0"/>
           </a:xfrm>
           <a:prstGeom prst="line">
@@ -17453,7 +19046,7 @@
         </p:nvCxnSpPr>
         <p:spPr>
           <a:xfrm>
-            <a:off x="6118622" y="1296850"/>
+            <a:off x="5831681" y="1160529"/>
             <a:ext cx="353616" cy="0"/>
           </a:xfrm>
           <a:prstGeom prst="line">
@@ -17494,7 +19087,7 @@
         </p:nvSpPr>
         <p:spPr>
           <a:xfrm>
-            <a:off x="6446043" y="1124803"/>
+            <a:off x="6159102" y="981338"/>
             <a:ext cx="700833" cy="276999"/>
           </a:xfrm>
           <a:prstGeom prst="rect">
@@ -17529,7 +19122,7 @@
         </p:nvSpPr>
         <p:spPr>
           <a:xfrm>
-            <a:off x="6446042" y="223788"/>
+            <a:off x="6159101" y="80323"/>
             <a:ext cx="700833" cy="276999"/>
           </a:xfrm>
           <a:prstGeom prst="rect">
@@ -17928,7 +19521,7 @@
         </p:nvSpPr>
         <p:spPr>
           <a:xfrm>
-            <a:off x="6022180" y="697010"/>
+            <a:off x="5735239" y="553545"/>
             <a:ext cx="192881" cy="604910"/>
           </a:xfrm>
           <a:prstGeom prst="rect">
@@ -17977,12 +19570,14 @@
               </a:ext>
             </a:extLst>
           </p:cNvPr>
-          <p:cNvCxnSpPr/>
+          <p:cNvCxnSpPr>
+            <a:cxnSpLocks/>
+          </p:cNvCxnSpPr>
           <p:nvPr/>
         </p:nvCxnSpPr>
         <p:spPr>
           <a:xfrm flipV="1">
-            <a:off x="5779294" y="697010"/>
+            <a:off x="5492353" y="553545"/>
             <a:ext cx="204785" cy="28339"/>
           </a:xfrm>
           <a:prstGeom prst="straightConnector1">
@@ -23242,6 +24837,230 @@
           </a:p>
         </p:txBody>
       </p:sp>
+      <p:sp>
+        <p:nvSpPr>
+          <p:cNvPr id="16" name="Figura a mano libera: forma 15">
+            <a:extLst>
+              <a:ext uri="{FF2B5EF4-FFF2-40B4-BE49-F238E27FC236}">
+                <a16:creationId xmlns:a16="http://schemas.microsoft.com/office/drawing/2014/main" id="{4AE59C16-70D4-47EB-AD11-744F2E228A08}"/>
+              </a:ext>
+            </a:extLst>
+          </p:cNvPr>
+          <p:cNvSpPr/>
+          <p:nvPr/>
+        </p:nvSpPr>
+        <p:spPr>
+          <a:xfrm rot="864066">
+            <a:off x="4150339" y="129243"/>
+            <a:ext cx="262037" cy="1000125"/>
+          </a:xfrm>
+          <a:custGeom>
+            <a:avLst/>
+            <a:gdLst>
+              <a:gd name="connsiteX0" fmla="*/ 262037 w 262037"/>
+              <a:gd name="connsiteY0" fmla="*/ 1000125 h 1000125"/>
+              <a:gd name="connsiteX1" fmla="*/ 19150 w 262037"/>
+              <a:gd name="connsiteY1" fmla="*/ 550069 h 1000125"/>
+              <a:gd name="connsiteX2" fmla="*/ 33437 w 262037"/>
+              <a:gd name="connsiteY2" fmla="*/ 0 h 1000125"/>
+            </a:gdLst>
+            <a:ahLst/>
+            <a:cxnLst>
+              <a:cxn ang="0">
+                <a:pos x="connsiteX0" y="connsiteY0"/>
+              </a:cxn>
+              <a:cxn ang="0">
+                <a:pos x="connsiteX1" y="connsiteY1"/>
+              </a:cxn>
+              <a:cxn ang="0">
+                <a:pos x="connsiteX2" y="connsiteY2"/>
+              </a:cxn>
+            </a:cxnLst>
+            <a:rect l="l" t="t" r="r" b="b"/>
+            <a:pathLst>
+              <a:path w="262037" h="1000125">
+                <a:moveTo>
+                  <a:pt x="262037" y="1000125"/>
+                </a:moveTo>
+                <a:cubicBezTo>
+                  <a:pt x="159643" y="858440"/>
+                  <a:pt x="57250" y="716756"/>
+                  <a:pt x="19150" y="550069"/>
+                </a:cubicBezTo>
+                <a:cubicBezTo>
+                  <a:pt x="-18950" y="383382"/>
+                  <a:pt x="7243" y="191691"/>
+                  <a:pt x="33437" y="0"/>
+                </a:cubicBezTo>
+              </a:path>
+            </a:pathLst>
+          </a:custGeom>
+          <a:noFill/>
+          <a:ln w="9525">
+            <a:solidFill>
+              <a:schemeClr val="tx1"/>
+            </a:solidFill>
+          </a:ln>
+        </p:spPr>
+        <p:style>
+          <a:lnRef idx="2">
+            <a:schemeClr val="accent1">
+              <a:shade val="50000"/>
+            </a:schemeClr>
+          </a:lnRef>
+          <a:fillRef idx="1">
+            <a:schemeClr val="accent1"/>
+          </a:fillRef>
+          <a:effectRef idx="0">
+            <a:schemeClr val="accent1"/>
+          </a:effectRef>
+          <a:fontRef idx="minor">
+            <a:schemeClr val="lt1"/>
+          </a:fontRef>
+        </p:style>
+        <p:txBody>
+          <a:bodyPr rtlCol="0" anchor="ctr"/>
+          <a:lstStyle/>
+          <a:p>
+            <a:pPr algn="ctr"/>
+            <a:endParaRPr lang="it-IT"/>
+          </a:p>
+        </p:txBody>
+      </p:sp>
+      <p:sp>
+        <p:nvSpPr>
+          <p:cNvPr id="86" name="Figura a mano libera: forma 85">
+            <a:extLst>
+              <a:ext uri="{FF2B5EF4-FFF2-40B4-BE49-F238E27FC236}">
+                <a16:creationId xmlns:a16="http://schemas.microsoft.com/office/drawing/2014/main" id="{E5BC809F-CD71-4A73-9242-556E0350DF80}"/>
+              </a:ext>
+            </a:extLst>
+          </p:cNvPr>
+          <p:cNvSpPr/>
+          <p:nvPr/>
+        </p:nvSpPr>
+        <p:spPr>
+          <a:xfrm rot="11346182">
+            <a:off x="6643303" y="126791"/>
+            <a:ext cx="262037" cy="1000125"/>
+          </a:xfrm>
+          <a:custGeom>
+            <a:avLst/>
+            <a:gdLst>
+              <a:gd name="connsiteX0" fmla="*/ 262037 w 262037"/>
+              <a:gd name="connsiteY0" fmla="*/ 1000125 h 1000125"/>
+              <a:gd name="connsiteX1" fmla="*/ 19150 w 262037"/>
+              <a:gd name="connsiteY1" fmla="*/ 550069 h 1000125"/>
+              <a:gd name="connsiteX2" fmla="*/ 33437 w 262037"/>
+              <a:gd name="connsiteY2" fmla="*/ 0 h 1000125"/>
+            </a:gdLst>
+            <a:ahLst/>
+            <a:cxnLst>
+              <a:cxn ang="0">
+                <a:pos x="connsiteX0" y="connsiteY0"/>
+              </a:cxn>
+              <a:cxn ang="0">
+                <a:pos x="connsiteX1" y="connsiteY1"/>
+              </a:cxn>
+              <a:cxn ang="0">
+                <a:pos x="connsiteX2" y="connsiteY2"/>
+              </a:cxn>
+            </a:cxnLst>
+            <a:rect l="l" t="t" r="r" b="b"/>
+            <a:pathLst>
+              <a:path w="262037" h="1000125">
+                <a:moveTo>
+                  <a:pt x="262037" y="1000125"/>
+                </a:moveTo>
+                <a:cubicBezTo>
+                  <a:pt x="159643" y="858440"/>
+                  <a:pt x="57250" y="716756"/>
+                  <a:pt x="19150" y="550069"/>
+                </a:cubicBezTo>
+                <a:cubicBezTo>
+                  <a:pt x="-18950" y="383382"/>
+                  <a:pt x="7243" y="191691"/>
+                  <a:pt x="33437" y="0"/>
+                </a:cubicBezTo>
+              </a:path>
+            </a:pathLst>
+          </a:custGeom>
+          <a:noFill/>
+          <a:ln w="9525">
+            <a:solidFill>
+              <a:schemeClr val="tx1"/>
+            </a:solidFill>
+          </a:ln>
+        </p:spPr>
+        <p:style>
+          <a:lnRef idx="2">
+            <a:schemeClr val="accent1">
+              <a:shade val="50000"/>
+            </a:schemeClr>
+          </a:lnRef>
+          <a:fillRef idx="1">
+            <a:schemeClr val="accent1"/>
+          </a:fillRef>
+          <a:effectRef idx="0">
+            <a:schemeClr val="accent1"/>
+          </a:effectRef>
+          <a:fontRef idx="minor">
+            <a:schemeClr val="lt1"/>
+          </a:fontRef>
+        </p:style>
+        <p:txBody>
+          <a:bodyPr rtlCol="0" anchor="ctr"/>
+          <a:lstStyle/>
+          <a:p>
+            <a:pPr algn="ctr"/>
+            <a:endParaRPr lang="it-IT"/>
+          </a:p>
+        </p:txBody>
+      </p:sp>
+      <p:cxnSp>
+        <p:nvCxnSpPr>
+          <p:cNvPr id="87" name="Connettore 2 86">
+            <a:extLst>
+              <a:ext uri="{FF2B5EF4-FFF2-40B4-BE49-F238E27FC236}">
+                <a16:creationId xmlns:a16="http://schemas.microsoft.com/office/drawing/2014/main" id="{4ED0586E-7CE8-4210-B1FE-4CE6906093A6}"/>
+              </a:ext>
+            </a:extLst>
+          </p:cNvPr>
+          <p:cNvCxnSpPr>
+            <a:cxnSpLocks/>
+          </p:cNvCxnSpPr>
+          <p:nvPr/>
+        </p:nvCxnSpPr>
+        <p:spPr>
+          <a:xfrm>
+            <a:off x="4064456" y="3999182"/>
+            <a:ext cx="392907" cy="0"/>
+          </a:xfrm>
+          <a:prstGeom prst="straightConnector1">
+            <a:avLst/>
+          </a:prstGeom>
+          <a:ln>
+            <a:solidFill>
+              <a:schemeClr val="tx1"/>
+            </a:solidFill>
+            <a:tailEnd type="triangle"/>
+          </a:ln>
+        </p:spPr>
+        <p:style>
+          <a:lnRef idx="1">
+            <a:schemeClr val="accent1"/>
+          </a:lnRef>
+          <a:fillRef idx="0">
+            <a:schemeClr val="accent1"/>
+          </a:fillRef>
+          <a:effectRef idx="0">
+            <a:schemeClr val="accent1"/>
+          </a:effectRef>
+          <a:fontRef idx="minor">
+            <a:schemeClr val="tx1"/>
+          </a:fontRef>
+        </p:style>
+      </p:cxnSp>
     </p:spTree>
     <p:extLst>
       <p:ext uri="{BB962C8B-B14F-4D97-AF65-F5344CB8AC3E}">

--- a/RelazioneIIW.pptx
+++ b/RelazioneIIW.pptx
@@ -4316,7 +4316,7 @@
             </a:r>
             <a:r>
               <a:rPr lang="en-US" sz="2000" dirty="0" err="1"/>
-              <a:t>perche</a:t>
+              <a:t>perchè</a:t>
             </a:r>
             <a:r>
               <a:rPr lang="en-US" sz="2000" dirty="0"/>
@@ -5613,7 +5613,15 @@
             </a:r>
             <a:r>
               <a:rPr lang="en-US" sz="2000" dirty="0"/>
-              <a:t> in </a:t>
+              <a:t> </a:t>
+            </a:r>
+            <a:r>
+              <a:rPr lang="en-US" sz="2000" dirty="0" err="1"/>
+              <a:t>dalla</a:t>
+            </a:r>
+            <a:r>
+              <a:rPr lang="en-US" sz="2000" dirty="0"/>
+              <a:t> branch in </a:t>
             </a:r>
             <a:r>
               <a:rPr lang="en-US" sz="2000" dirty="0" err="1"/>
@@ -7766,7 +7774,7 @@
             </a:r>
             <a:r>
               <a:rPr lang="en-US" sz="1600" dirty="0" err="1"/>
-              <a:t>memomento</a:t>
+              <a:t>momento</a:t>
             </a:r>
             <a:r>
               <a:rPr lang="en-US" sz="1600" dirty="0"/>
@@ -7825,19 +7833,19 @@
             </a:r>
             <a:r>
               <a:rPr lang="en-US" sz="1600" dirty="0" err="1"/>
-              <a:t>connessi</a:t>
+              <a:t>gestiti</a:t>
             </a:r>
             <a:r>
               <a:rPr lang="en-US" sz="1600" dirty="0"/>
-              <a:t> con </a:t>
+              <a:t> </a:t>
             </a:r>
             <a:r>
               <a:rPr lang="en-US" sz="1600" dirty="0" err="1"/>
-              <a:t>il</a:t>
+              <a:t>dalla</a:t>
             </a:r>
             <a:r>
               <a:rPr lang="en-US" sz="1600" dirty="0"/>
-              <a:t> server</a:t>
+              <a:t> branch</a:t>
             </a:r>
           </a:p>
           <a:p>
@@ -7981,8 +7989,8 @@
         </p:nvSpPr>
         <p:spPr>
           <a:xfrm>
-            <a:off x="5069758" y="3310172"/>
-            <a:ext cx="2038544" cy="978688"/>
+            <a:off x="5178541" y="3217992"/>
+            <a:ext cx="2139402" cy="1352776"/>
           </a:xfrm>
           <a:prstGeom prst="rect">
             <a:avLst/>
@@ -7990,7 +7998,7 @@
         </p:spPr>
         <p:txBody>
           <a:bodyPr vert="horz" lIns="91440" tIns="45720" rIns="91440" bIns="45720" rtlCol="0">
-            <a:normAutofit fontScale="85000" lnSpcReduction="20000"/>
+            <a:normAutofit fontScale="92500"/>
           </a:bodyPr>
           <a:lstStyle>
             <a:lvl1pPr marL="342900" indent="-342900" algn="l" defTabSz="914400" rtl="0" eaLnBrk="1" latinLnBrk="0" hangingPunct="1">
@@ -8140,7 +8148,15 @@
             </a:r>
             <a:r>
               <a:rPr lang="en-US" sz="1200" dirty="0" err="1"/>
-              <a:t>last_check-num_client</a:t>
+              <a:t>last_check</a:t>
+            </a:r>
+            <a:r>
+              <a:rPr lang="en-US" sz="1200" dirty="0"/>
+              <a:t> - </a:t>
+            </a:r>
+            <a:r>
+              <a:rPr lang="en-US" sz="1200" dirty="0" err="1"/>
+              <a:t>num_client</a:t>
             </a:r>
             <a:r>
               <a:rPr lang="en-US" sz="1200" dirty="0"/>
@@ -8232,7 +8248,7 @@
             </a:r>
             <a:r>
               <a:rPr lang="en-US" sz="1200" dirty="0" err="1"/>
-              <a:t>decremento</a:t>
+              <a:t>decrementandola</a:t>
             </a:r>
             <a:r>
               <a:rPr lang="en-US" sz="1200" dirty="0"/>
@@ -9844,8 +9860,8 @@
         </p:nvSpPr>
         <p:spPr>
           <a:xfrm>
-            <a:off x="2842627" y="1573939"/>
-            <a:ext cx="2038544" cy="978688"/>
+            <a:off x="2697927" y="1301391"/>
+            <a:ext cx="2335702" cy="1172977"/>
           </a:xfrm>
           <a:prstGeom prst="rect">
             <a:avLst/>
@@ -9853,7 +9869,7 @@
         </p:spPr>
         <p:txBody>
           <a:bodyPr vert="horz" lIns="91440" tIns="45720" rIns="91440" bIns="45720" rtlCol="0">
-            <a:normAutofit fontScale="85000" lnSpcReduction="20000"/>
+            <a:normAutofit fontScale="92500" lnSpcReduction="10000"/>
           </a:bodyPr>
           <a:lstStyle>
             <a:lvl1pPr marL="342900" indent="-342900" algn="l" defTabSz="914400" rtl="0" eaLnBrk="1" latinLnBrk="0" hangingPunct="1">
@@ -10003,7 +10019,15 @@
             </a:r>
             <a:r>
               <a:rPr lang="en-US" sz="1200" dirty="0" err="1"/>
-              <a:t>last_check-num_client</a:t>
+              <a:t>last_check</a:t>
+            </a:r>
+            <a:r>
+              <a:rPr lang="en-US" sz="1200" dirty="0"/>
+              <a:t> - </a:t>
+            </a:r>
+            <a:r>
+              <a:rPr lang="en-US" sz="1200" dirty="0" err="1"/>
+              <a:t>num_client</a:t>
             </a:r>
             <a:r>
               <a:rPr lang="en-US" sz="1200" dirty="0"/>
@@ -10095,7 +10119,7 @@
             </a:r>
             <a:r>
               <a:rPr lang="en-US" sz="1200" dirty="0" err="1"/>
-              <a:t>aumento</a:t>
+              <a:t>aumentandola</a:t>
             </a:r>
             <a:r>
               <a:rPr lang="en-US" sz="1200" dirty="0"/>
@@ -10980,7 +11004,7 @@
             </a:r>
             <a:r>
               <a:rPr lang="en-US" sz="2000" dirty="0" err="1"/>
-              <a:t>operazione</a:t>
+              <a:t>l’operazione</a:t>
             </a:r>
             <a:r>
               <a:rPr lang="en-US" sz="2000" dirty="0"/>
@@ -10997,6 +11021,14 @@
             <a:r>
               <a:rPr lang="en-US" sz="2000" dirty="0" err="1"/>
               <a:t>completata</a:t>
+            </a:r>
+            <a:r>
+              <a:rPr lang="en-US" sz="2000" dirty="0"/>
+              <a:t>, per poi </a:t>
+            </a:r>
+            <a:r>
+              <a:rPr lang="en-US" sz="2000" dirty="0" err="1"/>
+              <a:t>terminare</a:t>
             </a:r>
             <a:endParaRPr lang="en-US" sz="2000" dirty="0"/>
           </a:p>
@@ -12505,63 +12537,6 @@
             </a:pPr>
             <a:r>
               <a:rPr lang="en-US" sz="2000" dirty="0"/>
-              <a:t>(</a:t>
-            </a:r>
-            <a:r>
-              <a:rPr lang="en-US" sz="2000" dirty="0" err="1"/>
-              <a:t>l’interazione</a:t>
-            </a:r>
-            <a:r>
-              <a:rPr lang="en-US" sz="2000" dirty="0"/>
-              <a:t> </a:t>
-            </a:r>
-            <a:r>
-              <a:rPr lang="en-US" sz="2000" dirty="0" err="1"/>
-              <a:t>dettagliata</a:t>
-            </a:r>
-            <a:r>
-              <a:rPr lang="en-US" sz="2000" dirty="0"/>
-              <a:t> </a:t>
-            </a:r>
-            <a:r>
-              <a:rPr lang="en-US" sz="2000" dirty="0" err="1"/>
-              <a:t>tra</a:t>
-            </a:r>
-            <a:r>
-              <a:rPr lang="en-US" sz="2000" dirty="0"/>
-              <a:t> le </a:t>
-            </a:r>
-            <a:r>
-              <a:rPr lang="en-US" sz="2000" dirty="0" err="1"/>
-              <a:t>componenti</a:t>
-            </a:r>
-            <a:r>
-              <a:rPr lang="en-US" sz="2000" dirty="0"/>
-              <a:t> è </a:t>
-            </a:r>
-            <a:r>
-              <a:rPr lang="en-US" sz="2000" dirty="0" err="1"/>
-              <a:t>espressa</a:t>
-            </a:r>
-            <a:r>
-              <a:rPr lang="en-US" sz="2000" dirty="0"/>
-              <a:t> in </a:t>
-            </a:r>
-            <a:r>
-              <a:rPr lang="en-US" sz="2000" dirty="0" err="1"/>
-              <a:t>seguito</a:t>
-            </a:r>
-            <a:r>
-              <a:rPr lang="en-US" sz="2000" dirty="0"/>
-              <a:t>)</a:t>
-            </a:r>
-          </a:p>
-          <a:p>
-            <a:pPr marL="0" indent="0">
-              <a:buNone/>
-            </a:pPr>
-            <a:r>
-              <a:rPr lang="en-US" sz="2000" dirty="0"/>
               <a:t>In </a:t>
             </a:r>
             <a:r>
@@ -14550,7 +14525,16 @@
             </a:r>
             <a:r>
               <a:rPr lang="en-US" sz="2000" dirty="0"/>
-              <a:t>. Con </a:t>
+              <a:t>. </a:t>
+            </a:r>
+          </a:p>
+          <a:p>
+            <a:pPr marL="0" indent="0">
+              <a:buNone/>
+            </a:pPr>
+            <a:r>
+              <a:rPr lang="en-US" sz="2000" dirty="0"/>
+              <a:t>Con </a:t>
             </a:r>
             <a:r>
               <a:rPr lang="en-US" sz="2000" dirty="0" err="1"/>
@@ -31322,55 +31306,7 @@
             </a:r>
             <a:r>
               <a:rPr lang="en-US" sz="1800" dirty="0"/>
-              <a:t>. (Il merge </a:t>
-            </a:r>
-            <a:r>
-              <a:rPr lang="en-US" sz="1800" dirty="0" err="1"/>
-              <a:t>consiste</a:t>
-            </a:r>
-            <a:r>
-              <a:rPr lang="en-US" sz="1800" dirty="0"/>
-              <a:t> </a:t>
-            </a:r>
-            <a:r>
-              <a:rPr lang="en-US" sz="1800" dirty="0" err="1"/>
-              <a:t>nell’invio</a:t>
-            </a:r>
-            <a:r>
-              <a:rPr lang="en-US" sz="1800" dirty="0"/>
-              <a:t> di file descriptor </a:t>
-            </a:r>
-            <a:r>
-              <a:rPr lang="en-US" sz="1800" dirty="0" err="1"/>
-              <a:t>tramite</a:t>
-            </a:r>
-            <a:r>
-              <a:rPr lang="en-US" sz="1800" dirty="0"/>
-              <a:t> socket </a:t>
-            </a:r>
-            <a:r>
-              <a:rPr lang="en-US" sz="1800" dirty="0" err="1"/>
-              <a:t>unix</a:t>
-            </a:r>
-            <a:r>
-              <a:rPr lang="en-US" sz="1800" dirty="0"/>
-              <a:t> </a:t>
-            </a:r>
-            <a:r>
-              <a:rPr lang="en-US" sz="1800" dirty="0" err="1"/>
-              <a:t>tra</a:t>
-            </a:r>
-            <a:r>
-              <a:rPr lang="en-US" sz="1800" dirty="0"/>
-              <a:t> due </a:t>
-            </a:r>
-            <a:r>
-              <a:rPr lang="en-US" sz="1800" dirty="0" err="1"/>
-              <a:t>diramazioni</a:t>
-            </a:r>
-            <a:r>
-              <a:rPr lang="en-US" sz="1800" dirty="0"/>
-              <a:t>)</a:t>
+              <a:t>.</a:t>
             </a:r>
           </a:p>
           <a:p>
@@ -31663,7 +31599,15 @@
             </a:r>
             <a:r>
               <a:rPr lang="en-US" sz="2000" dirty="0"/>
-              <a:t> (o handler) al </a:t>
+              <a:t> (o </a:t>
+            </a:r>
+            <a:r>
+              <a:rPr lang="en-US" sz="2000" b="1" dirty="0"/>
+              <a:t>handler</a:t>
+            </a:r>
+            <a:r>
+              <a:rPr lang="en-US" sz="2000" dirty="0"/>
+              <a:t>) al </a:t>
             </a:r>
             <a:r>
               <a:rPr lang="en-US" sz="2000" dirty="0" err="1"/>
@@ -32107,7 +32051,15 @@
             </a:r>
             <a:r>
               <a:rPr lang="en-US" sz="1800" dirty="0"/>
-              <a:t> component ‘logger’ e ‘</a:t>
+              <a:t> </a:t>
+            </a:r>
+            <a:r>
+              <a:rPr lang="en-US" sz="1800" dirty="0" err="1"/>
+              <a:t>componenti</a:t>
+            </a:r>
+            <a:r>
+              <a:rPr lang="en-US" sz="1800" dirty="0"/>
+              <a:t> ‘logger’ e ‘</a:t>
             </a:r>
             <a:r>
               <a:rPr lang="en-US" sz="1800" dirty="0" err="1"/>
@@ -32194,7 +32146,7 @@
             </a:r>
             <a:r>
               <a:rPr lang="en-US" sz="1800" dirty="0" err="1"/>
-              <a:t>verranno</a:t>
+              <a:t>verrà</a:t>
             </a:r>
             <a:r>
               <a:rPr lang="en-US" sz="1800" dirty="0"/>
@@ -32202,19 +32154,11 @@
             </a:r>
             <a:r>
               <a:rPr lang="en-US" sz="1800" dirty="0" err="1"/>
-              <a:t>salvate</a:t>
+              <a:t>salvato</a:t>
             </a:r>
             <a:r>
               <a:rPr lang="en-US" sz="1800" dirty="0"/>
-              <a:t> </a:t>
-            </a:r>
-            <a:r>
-              <a:rPr lang="en-US" sz="1800" dirty="0" err="1"/>
-              <a:t>delle</a:t>
-            </a:r>
-            <a:r>
-              <a:rPr lang="en-US" sz="1800" dirty="0"/>
-              <a:t> </a:t>
+              <a:t> un array di </a:t>
             </a:r>
             <a:r>
               <a:rPr lang="en-US" sz="1800" dirty="0" err="1"/>
@@ -34423,6 +34367,62 @@
           </a:prstGeom>
         </p:spPr>
       </p:pic>
+      <p:sp>
+        <p:nvSpPr>
+          <p:cNvPr id="23" name="Title 3">
+            <a:extLst>
+              <a:ext uri="{FF2B5EF4-FFF2-40B4-BE49-F238E27FC236}">
+                <a16:creationId xmlns:a16="http://schemas.microsoft.com/office/drawing/2014/main" id="{74FC8B11-84B3-4C95-89F2-94F2AF013BB6}"/>
+              </a:ext>
+            </a:extLst>
+          </p:cNvPr>
+          <p:cNvSpPr>
+            <a:spLocks noGrp="1"/>
+          </p:cNvSpPr>
+          <p:nvPr>
+            <p:ph type="title"/>
+          </p:nvPr>
+        </p:nvSpPr>
+        <p:spPr>
+          <a:xfrm>
+            <a:off x="0" y="0"/>
+            <a:ext cx="6541015" cy="725349"/>
+          </a:xfrm>
+        </p:spPr>
+        <p:txBody>
+          <a:bodyPr>
+            <a:normAutofit/>
+          </a:bodyPr>
+          <a:lstStyle/>
+          <a:p>
+            <a:r>
+              <a:rPr lang="en-US" sz="2400" dirty="0"/>
+              <a:t>Schema </a:t>
+            </a:r>
+            <a:r>
+              <a:rPr lang="en-US" sz="2400" dirty="0" err="1"/>
+              <a:t>della</a:t>
+            </a:r>
+            <a:r>
+              <a:rPr lang="en-US" sz="2400" dirty="0"/>
+              <a:t> </a:t>
+            </a:r>
+            <a:r>
+              <a:rPr lang="en-US" sz="2400" dirty="0" err="1"/>
+              <a:t>memoria</a:t>
+            </a:r>
+            <a:r>
+              <a:rPr lang="en-US" sz="2400" dirty="0"/>
+              <a:t> </a:t>
+            </a:r>
+            <a:r>
+              <a:rPr lang="en-US" sz="2400" dirty="0" err="1"/>
+              <a:t>condivisa</a:t>
+            </a:r>
+            <a:endParaRPr lang="en-US" sz="2400" dirty="0"/>
+          </a:p>
+        </p:txBody>
+      </p:sp>
     </p:spTree>
     <p:extLst>
       <p:ext uri="{BB962C8B-B14F-4D97-AF65-F5344CB8AC3E}">
@@ -34465,8 +34465,8 @@
         </p:nvSpPr>
         <p:spPr>
           <a:xfrm>
-            <a:off x="0" y="228601"/>
-            <a:ext cx="7329488" cy="4914900"/>
+            <a:off x="0" y="0"/>
+            <a:ext cx="7329488" cy="5143501"/>
           </a:xfrm>
         </p:spPr>
         <p:txBody>
@@ -37593,15 +37593,7 @@
             </a:r>
             <a:r>
               <a:rPr lang="en-US" sz="1600" dirty="0"/>
-              <a:t> </a:t>
-            </a:r>
-            <a:r>
-              <a:rPr lang="en-US" sz="1600" dirty="0" err="1"/>
-              <a:t>branche</a:t>
-            </a:r>
-            <a:r>
-              <a:rPr lang="en-US" sz="1600" dirty="0"/>
-              <a:t>, </a:t>
+              <a:t> branch, </a:t>
             </a:r>
             <a:r>
               <a:rPr lang="en-US" sz="1600" dirty="0" err="1"/>
@@ -40351,15 +40343,7 @@
             </a:r>
             <a:r>
               <a:rPr lang="en-US" sz="1600" dirty="0"/>
-              <a:t> di </a:t>
-            </a:r>
-            <a:r>
-              <a:rPr lang="en-US" sz="1600" dirty="0" err="1"/>
-              <a:t>merg</a:t>
-            </a:r>
-            <a:r>
-              <a:rPr lang="en-US" sz="1600" dirty="0"/>
-              <a:t>, </a:t>
+              <a:t> di merge, </a:t>
             </a:r>
             <a:r>
               <a:rPr lang="en-US" sz="1600" dirty="0" err="1"/>
@@ -41728,6 +41712,46 @@
           </a:fontRef>
         </p:style>
       </p:cxnSp>
+      <p:sp>
+        <p:nvSpPr>
+          <p:cNvPr id="81" name="Title 3">
+            <a:extLst>
+              <a:ext uri="{FF2B5EF4-FFF2-40B4-BE49-F238E27FC236}">
+                <a16:creationId xmlns:a16="http://schemas.microsoft.com/office/drawing/2014/main" id="{3880F310-6066-422C-97D9-FA26CDF1FAF4}"/>
+              </a:ext>
+            </a:extLst>
+          </p:cNvPr>
+          <p:cNvSpPr>
+            <a:spLocks noGrp="1"/>
+          </p:cNvSpPr>
+          <p:nvPr>
+            <p:ph type="title"/>
+          </p:nvPr>
+        </p:nvSpPr>
+        <p:spPr>
+          <a:xfrm>
+            <a:off x="0" y="0"/>
+            <a:ext cx="6541015" cy="725349"/>
+          </a:xfrm>
+        </p:spPr>
+        <p:txBody>
+          <a:bodyPr>
+            <a:normAutofit/>
+          </a:bodyPr>
+          <a:lstStyle/>
+          <a:p>
+            <a:r>
+              <a:rPr lang="en-US" sz="2400" dirty="0"/>
+              <a:t>Schema del merge e </a:t>
+            </a:r>
+            <a:r>
+              <a:rPr lang="en-US" sz="2400" dirty="0" err="1"/>
+              <a:t>creazione</a:t>
+            </a:r>
+            <a:endParaRPr lang="en-US" sz="2400" dirty="0"/>
+          </a:p>
+        </p:txBody>
+      </p:sp>
     </p:spTree>
     <p:extLst>
       <p:ext uri="{BB962C8B-B14F-4D97-AF65-F5344CB8AC3E}">
@@ -41843,7 +41867,15 @@
             </a:r>
             <a:r>
               <a:rPr lang="en-US" sz="2000" dirty="0"/>
-              <a:t> (o branch) </a:t>
+              <a:t> (o </a:t>
+            </a:r>
+            <a:r>
+              <a:rPr lang="en-US" sz="2000" b="1" dirty="0"/>
+              <a:t>branch</a:t>
+            </a:r>
+            <a:r>
+              <a:rPr lang="en-US" sz="2000" dirty="0"/>
+              <a:t>) </a:t>
             </a:r>
             <a:r>
               <a:rPr lang="en-US" sz="2000" dirty="0" err="1"/>
@@ -42216,8 +42248,44 @@
               <a:buNone/>
             </a:pPr>
             <a:r>
-              <a:rPr lang="en-US" sz="2000" dirty="0" err="1"/>
-              <a:t>Aggiunge</a:t>
+              <a:rPr lang="en-US" sz="2000" dirty="0"/>
+              <a:t>Prima di </a:t>
+            </a:r>
+            <a:r>
+              <a:rPr lang="en-US" sz="2000" dirty="0" err="1"/>
+              <a:t>entrare</a:t>
+            </a:r>
+            <a:r>
+              <a:rPr lang="en-US" sz="2000" dirty="0"/>
+              <a:t> </a:t>
+            </a:r>
+            <a:r>
+              <a:rPr lang="en-US" sz="2000" dirty="0" err="1"/>
+              <a:t>nel</a:t>
+            </a:r>
+            <a:r>
+              <a:rPr lang="en-US" sz="2000" dirty="0"/>
+              <a:t> </a:t>
+            </a:r>
+            <a:r>
+              <a:rPr lang="en-US" sz="2000" dirty="0" err="1"/>
+              <a:t>corpo</a:t>
+            </a:r>
+            <a:r>
+              <a:rPr lang="en-US" sz="2000" dirty="0"/>
+              <a:t> </a:t>
+            </a:r>
+            <a:r>
+              <a:rPr lang="en-US" sz="2000" dirty="0" err="1"/>
+              <a:t>principale</a:t>
+            </a:r>
+            <a:r>
+              <a:rPr lang="en-US" sz="2000" dirty="0"/>
+              <a:t>, </a:t>
+            </a:r>
+            <a:r>
+              <a:rPr lang="en-US" sz="2000" dirty="0" err="1"/>
+              <a:t>aggiunge</a:t>
             </a:r>
             <a:r>
               <a:rPr lang="en-US" sz="2000" dirty="0"/>
